--- a/Articles/topic_ideas.pptx
+++ b/Articles/topic_ideas.pptx
@@ -10,8 +10,11 @@
     <p:sldId id="258" r:id="rId4"/>
     <p:sldId id="259" r:id="rId5"/>
     <p:sldId id="260" r:id="rId6"/>
-    <p:sldId id="261" r:id="rId7"/>
-    <p:sldId id="262" r:id="rId8"/>
+    <p:sldId id="262" r:id="rId7"/>
+    <p:sldId id="265" r:id="rId8"/>
+    <p:sldId id="264" r:id="rId9"/>
+    <p:sldId id="263" r:id="rId10"/>
+    <p:sldId id="261" r:id="rId11"/>
   </p:sldIdLst>
   <p:sldSz cx="12192000" cy="6858000"/>
   <p:notesSz cx="6858000" cy="9144000"/>
@@ -110,6 +113,11 @@
       </a:defRPr>
     </a:lvl9pPr>
   </p:defaultTextStyle>
+  <p:extLst>
+    <p:ext uri="{EFAFB233-063F-42B5-8137-9DF3F51BA10A}">
+      <p15:sldGuideLst xmlns:p15="http://schemas.microsoft.com/office/powerpoint/2012/main"/>
+    </p:ext>
+  </p:extLst>
 </p:presentation>
 </file>
 
@@ -262,7 +270,7 @@
           <a:p>
             <a:fld id="{648D7065-069B-0649-9FDA-93119899EAB2}" type="datetimeFigureOut">
               <a:rPr lang="en-PL" smtClean="0"/>
-              <a:t>03/11/2023</a:t>
+              <a:t>06/11/2023</a:t>
             </a:fld>
             <a:endParaRPr lang="en-PL"/>
           </a:p>
@@ -462,7 +470,7 @@
           <a:p>
             <a:fld id="{648D7065-069B-0649-9FDA-93119899EAB2}" type="datetimeFigureOut">
               <a:rPr lang="en-PL" smtClean="0"/>
-              <a:t>03/11/2023</a:t>
+              <a:t>06/11/2023</a:t>
             </a:fld>
             <a:endParaRPr lang="en-PL"/>
           </a:p>
@@ -672,7 +680,7 @@
           <a:p>
             <a:fld id="{648D7065-069B-0649-9FDA-93119899EAB2}" type="datetimeFigureOut">
               <a:rPr lang="en-PL" smtClean="0"/>
-              <a:t>03/11/2023</a:t>
+              <a:t>06/11/2023</a:t>
             </a:fld>
             <a:endParaRPr lang="en-PL"/>
           </a:p>
@@ -872,7 +880,7 @@
           <a:p>
             <a:fld id="{648D7065-069B-0649-9FDA-93119899EAB2}" type="datetimeFigureOut">
               <a:rPr lang="en-PL" smtClean="0"/>
-              <a:t>03/11/2023</a:t>
+              <a:t>06/11/2023</a:t>
             </a:fld>
             <a:endParaRPr lang="en-PL"/>
           </a:p>
@@ -1148,7 +1156,7 @@
           <a:p>
             <a:fld id="{648D7065-069B-0649-9FDA-93119899EAB2}" type="datetimeFigureOut">
               <a:rPr lang="en-PL" smtClean="0"/>
-              <a:t>03/11/2023</a:t>
+              <a:t>06/11/2023</a:t>
             </a:fld>
             <a:endParaRPr lang="en-PL"/>
           </a:p>
@@ -1416,7 +1424,7 @@
           <a:p>
             <a:fld id="{648D7065-069B-0649-9FDA-93119899EAB2}" type="datetimeFigureOut">
               <a:rPr lang="en-PL" smtClean="0"/>
-              <a:t>03/11/2023</a:t>
+              <a:t>06/11/2023</a:t>
             </a:fld>
             <a:endParaRPr lang="en-PL"/>
           </a:p>
@@ -1831,7 +1839,7 @@
           <a:p>
             <a:fld id="{648D7065-069B-0649-9FDA-93119899EAB2}" type="datetimeFigureOut">
               <a:rPr lang="en-PL" smtClean="0"/>
-              <a:t>03/11/2023</a:t>
+              <a:t>06/11/2023</a:t>
             </a:fld>
             <a:endParaRPr lang="en-PL"/>
           </a:p>
@@ -1973,7 +1981,7 @@
           <a:p>
             <a:fld id="{648D7065-069B-0649-9FDA-93119899EAB2}" type="datetimeFigureOut">
               <a:rPr lang="en-PL" smtClean="0"/>
-              <a:t>03/11/2023</a:t>
+              <a:t>06/11/2023</a:t>
             </a:fld>
             <a:endParaRPr lang="en-PL"/>
           </a:p>
@@ -2086,7 +2094,7 @@
           <a:p>
             <a:fld id="{648D7065-069B-0649-9FDA-93119899EAB2}" type="datetimeFigureOut">
               <a:rPr lang="en-PL" smtClean="0"/>
-              <a:t>03/11/2023</a:t>
+              <a:t>06/11/2023</a:t>
             </a:fld>
             <a:endParaRPr lang="en-PL"/>
           </a:p>
@@ -2399,7 +2407,7 @@
           <a:p>
             <a:fld id="{648D7065-069B-0649-9FDA-93119899EAB2}" type="datetimeFigureOut">
               <a:rPr lang="en-PL" smtClean="0"/>
-              <a:t>03/11/2023</a:t>
+              <a:t>06/11/2023</a:t>
             </a:fld>
             <a:endParaRPr lang="en-PL"/>
           </a:p>
@@ -2688,7 +2696,7 @@
           <a:p>
             <a:fld id="{648D7065-069B-0649-9FDA-93119899EAB2}" type="datetimeFigureOut">
               <a:rPr lang="en-PL" smtClean="0"/>
-              <a:t>03/11/2023</a:t>
+              <a:t>06/11/2023</a:t>
             </a:fld>
             <a:endParaRPr lang="en-PL"/>
           </a:p>
@@ -2931,7 +2939,7 @@
           <a:p>
             <a:fld id="{648D7065-069B-0649-9FDA-93119899EAB2}" type="datetimeFigureOut">
               <a:rPr lang="en-PL" smtClean="0"/>
-              <a:t>03/11/2023</a:t>
+              <a:t>06/11/2023</a:t>
             </a:fld>
             <a:endParaRPr lang="en-PL"/>
           </a:p>
@@ -3571,6 +3579,141 @@
 </p:sld>
 </file>
 
+<file path=ppt/slides/slide10.xml><?xml version="1.0" encoding="utf-8"?>
+<p:sld xmlns:a="http://schemas.openxmlformats.org/drawingml/2006/main" xmlns:r="http://schemas.openxmlformats.org/officeDocument/2006/relationships" xmlns:p="http://schemas.openxmlformats.org/presentationml/2006/main">
+  <p:cSld>
+    <p:spTree>
+      <p:nvGrpSpPr>
+        <p:cNvPr id="1" name=""/>
+        <p:cNvGrpSpPr/>
+        <p:nvPr/>
+      </p:nvGrpSpPr>
+      <p:grpSpPr>
+        <a:xfrm>
+          <a:off x="0" y="0"/>
+          <a:ext cx="0" cy="0"/>
+          <a:chOff x="0" y="0"/>
+          <a:chExt cx="0" cy="0"/>
+        </a:xfrm>
+      </p:grpSpPr>
+      <p:sp>
+        <p:nvSpPr>
+          <p:cNvPr id="2" name="Title 1">
+            <a:extLst>
+              <a:ext uri="{FF2B5EF4-FFF2-40B4-BE49-F238E27FC236}">
+                <a16:creationId xmlns:a16="http://schemas.microsoft.com/office/drawing/2014/main" id="{1D71286A-3E6C-A66A-0F6C-582B7E9CF30C}"/>
+              </a:ext>
+            </a:extLst>
+          </p:cNvPr>
+          <p:cNvSpPr>
+            <a:spLocks noGrp="1"/>
+          </p:cNvSpPr>
+          <p:nvPr>
+            <p:ph type="title"/>
+          </p:nvPr>
+        </p:nvSpPr>
+        <p:spPr/>
+        <p:txBody>
+          <a:bodyPr>
+            <a:normAutofit/>
+          </a:bodyPr>
+          <a:lstStyle/>
+          <a:p>
+            <a:pPr lvl="0"/>
+            <a:r>
+              <a:rPr lang="en-GB" b="1" dirty="0"/>
+              <a:t>Team Off-Ball Movement Analysis</a:t>
+            </a:r>
+            <a:endParaRPr lang="en-PL" b="1" dirty="0"/>
+          </a:p>
+        </p:txBody>
+      </p:sp>
+      <p:sp>
+        <p:nvSpPr>
+          <p:cNvPr id="3" name="Content Placeholder 2">
+            <a:extLst>
+              <a:ext uri="{FF2B5EF4-FFF2-40B4-BE49-F238E27FC236}">
+                <a16:creationId xmlns:a16="http://schemas.microsoft.com/office/drawing/2014/main" id="{EFD4FF62-497D-CBE6-4767-D052782DB005}"/>
+              </a:ext>
+            </a:extLst>
+          </p:cNvPr>
+          <p:cNvSpPr>
+            <a:spLocks noGrp="1"/>
+          </p:cNvSpPr>
+          <p:nvPr>
+            <p:ph idx="1"/>
+          </p:nvPr>
+        </p:nvSpPr>
+        <p:spPr/>
+        <p:txBody>
+          <a:bodyPr>
+            <a:normAutofit lnSpcReduction="10000"/>
+          </a:bodyPr>
+          <a:lstStyle/>
+          <a:p>
+            <a:pPr marL="0" indent="0">
+              <a:buNone/>
+            </a:pPr>
+            <a:r>
+              <a:rPr lang="en-PL" b="1" dirty="0"/>
+              <a:t>Model for Decision Evaluation:</a:t>
+            </a:r>
+          </a:p>
+          <a:p>
+            <a:r>
+              <a:rPr lang="en-GB" dirty="0"/>
+              <a:t>Use Offline-RL to learn optimal movements. </a:t>
+            </a:r>
+          </a:p>
+          <a:p>
+            <a:r>
+              <a:rPr lang="en-GB" dirty="0"/>
+              <a:t>Phase 1: focuses on training individual player models for various roles.</a:t>
+            </a:r>
+          </a:p>
+          <a:p>
+            <a:r>
+              <a:rPr lang="en-GB" dirty="0"/>
+              <a:t>Phase 2: joint training of these pre-trained player models for collaborative multi-agent learning.</a:t>
+            </a:r>
+          </a:p>
+          <a:p>
+            <a:r>
+              <a:rPr lang="en-GB" dirty="0"/>
+              <a:t>Actions: desired coordinates x, y.</a:t>
+            </a:r>
+            <a:endParaRPr lang="en-PL" dirty="0"/>
+          </a:p>
+          <a:p>
+            <a:pPr marL="0" indent="0">
+              <a:buNone/>
+            </a:pPr>
+            <a:r>
+              <a:rPr lang="en-PL" b="1" dirty="0"/>
+              <a:t>Performance Analysis:</a:t>
+            </a:r>
+          </a:p>
+          <a:p>
+            <a:r>
+              <a:rPr lang="en-PL" dirty="0"/>
+              <a:t>Analyze clutch game-plays by comparing possible movements with chosen one. </a:t>
+            </a:r>
+          </a:p>
+        </p:txBody>
+      </p:sp>
+    </p:spTree>
+    <p:extLst>
+      <p:ext uri="{BB962C8B-B14F-4D97-AF65-F5344CB8AC3E}">
+        <p14:creationId xmlns:p14="http://schemas.microsoft.com/office/powerpoint/2010/main" val="2665156346"/>
+      </p:ext>
+    </p:extLst>
+  </p:cSld>
+  <p:clrMapOvr>
+    <a:masterClrMapping/>
+  </p:clrMapOvr>
+</p:sld>
+</file>
+
 <file path=ppt/slides/slide2.xml><?xml version="1.0" encoding="utf-8"?>
 <p:sld xmlns:a="http://schemas.openxmlformats.org/drawingml/2006/main" xmlns:r="http://schemas.openxmlformats.org/officeDocument/2006/relationships" xmlns:p="http://schemas.openxmlformats.org/presentationml/2006/main">
   <p:cSld>
@@ -3639,7 +3782,7 @@
         <p:spPr/>
         <p:txBody>
           <a:bodyPr>
-            <a:normAutofit lnSpcReduction="10000"/>
+            <a:normAutofit fontScale="92500" lnSpcReduction="10000"/>
           </a:bodyPr>
           <a:lstStyle/>
           <a:p>
@@ -3653,6 +3796,16 @@
           </a:p>
           <a:p>
             <a:r>
+              <a:rPr lang="en-GB" dirty="0"/>
+              <a:t>G</a:t>
+            </a:r>
+            <a:r>
+              <a:rPr lang="en-PL" dirty="0"/>
+              <a:t>enerative models.</a:t>
+            </a:r>
+          </a:p>
+          <a:p>
+            <a:r>
               <a:rPr lang="en-PL" dirty="0"/>
               <a:t>Start with Social LSTM model, to get some results.</a:t>
             </a:r>
@@ -3687,7 +3840,7 @@
           <a:p>
             <a:r>
               <a:rPr lang="en-PL" dirty="0"/>
-              <a:t>Use clustering to group trajectories then analyze these gae plays to find patterns. </a:t>
+              <a:t>Use clustering to group trajectories then analyze these game plays to find patterns. </a:t>
             </a:r>
           </a:p>
           <a:p>
@@ -3822,15 +3975,7 @@
           <a:p>
             <a:r>
               <a:rPr lang="en-GB" dirty="0"/>
-              <a:t>Multiagent off-screen </a:t>
-            </a:r>
-            <a:r>
-              <a:rPr lang="en-GB" dirty="0" err="1"/>
-              <a:t>behavior</a:t>
-            </a:r>
-            <a:r>
-              <a:rPr lang="en-GB" dirty="0"/>
-              <a:t> prediction in football (GNNs &amp; LSTM)</a:t>
+              <a:t>Multiagent off-screen behaviour prediction in football (GNNs &amp; LSTM)</a:t>
             </a:r>
           </a:p>
           <a:p>
@@ -3975,7 +4120,7 @@
           <a:p>
             <a:r>
               <a:rPr lang="en-PL" dirty="0"/>
-              <a:t>Offline Actor-Critic DRL (paper as a base).</a:t>
+              <a:t>Offline Actor-Critic DRL.</a:t>
             </a:r>
           </a:p>
           <a:p>
@@ -4116,7 +4261,7 @@
         <p:spPr/>
         <p:txBody>
           <a:bodyPr>
-            <a:normAutofit/>
+            <a:normAutofit fontScale="92500" lnSpcReduction="20000"/>
           </a:bodyPr>
           <a:lstStyle/>
           <a:p>
@@ -4135,22 +4280,86 @@
             </a:r>
           </a:p>
           <a:p>
+            <a:pPr marL="0" indent="0">
+              <a:buNone/>
+            </a:pPr>
+            <a:r>
+              <a:rPr lang="en-GB" sz="1700" dirty="0">
+                <a:hlinkClick r:id="rId2"/>
+              </a:rPr>
+              <a:t>https://statsbomb.com/wp-content/uploads/2022/09/Michael-Pulis-and-Josef-Bajada-–-Reinforcement-Learning-For-Football-Player-Decision-Making-Analysis-1.pdf</a:t>
+            </a:r>
+            <a:endParaRPr lang="en-GB" dirty="0"/>
+          </a:p>
+          <a:p>
             <a:r>
               <a:rPr lang="en-GB" dirty="0"/>
               <a:t>Deep soccer analytics: learning an action-value function for evaluating soccer players</a:t>
             </a:r>
           </a:p>
           <a:p>
+            <a:pPr marL="0" indent="0" algn="l" rtl="0" eaLnBrk="1" latinLnBrk="0" hangingPunct="1">
+              <a:lnSpc>
+                <a:spcPct val="90000"/>
+              </a:lnSpc>
+              <a:spcBef>
+                <a:spcPts val="1000"/>
+              </a:spcBef>
+              <a:spcAft>
+                <a:spcPts val="0"/>
+              </a:spcAft>
+              <a:buNone/>
+            </a:pPr>
+            <a:r>
+              <a:rPr lang="en-GB" sz="1700" kern="1200" dirty="0">
+                <a:solidFill>
+                  <a:srgbClr val="000000"/>
+                </a:solidFill>
+                <a:effectLst/>
+                <a:latin typeface="Calibri" panose="020F0502020204030204" pitchFamily="34" charset="0"/>
+                <a:ea typeface="+mn-ea"/>
+                <a:cs typeface="+mn-cs"/>
+                <a:hlinkClick r:id="rId3"/>
+              </a:rPr>
+              <a:t>https://link.springer.com/article/10.1007/s10618-020-00705-9</a:t>
+            </a:r>
+            <a:endParaRPr lang="en-GB" dirty="0"/>
+          </a:p>
+          <a:p>
             <a:r>
               <a:rPr lang="en-GB" dirty="0"/>
               <a:t>Deep Reinforcement Learning meets Graph Neural Networks: exploring a routing optimization use case</a:t>
             </a:r>
           </a:p>
           <a:p>
+            <a:pPr marL="0" indent="0">
+              <a:buNone/>
+            </a:pPr>
+            <a:r>
+              <a:rPr lang="en-GB" sz="1900" dirty="0">
+                <a:hlinkClick r:id="rId4"/>
+              </a:rPr>
+              <a:t>https://arxiv.org/abs/1910.07421</a:t>
+            </a:r>
+            <a:endParaRPr lang="en-GB" dirty="0"/>
+          </a:p>
+          <a:p>
             <a:r>
               <a:rPr lang="en-GB" dirty="0"/>
               <a:t>Making Offensive Play Predictable - Using a Graph Convolutional Network to Understand Defensive Performance in Soccer</a:t>
             </a:r>
+          </a:p>
+          <a:p>
+            <a:pPr marL="0" indent="0">
+              <a:buNone/>
+            </a:pPr>
+            <a:r>
+              <a:rPr lang="en-GB" sz="1900" dirty="0">
+                <a:hlinkClick r:id="rId5"/>
+              </a:rPr>
+              <a:t>https://www.statsperform.com/wp-content/uploads/2021/04/Making-Offensive-Play-Predictable.pdf</a:t>
+            </a:r>
+            <a:endParaRPr lang="en-GB" sz="1900" dirty="0"/>
           </a:p>
         </p:txBody>
       </p:sp>
@@ -4210,7 +4419,7 @@
             <a:pPr lvl="0"/>
             <a:r>
               <a:rPr lang="en-GB" b="1" dirty="0"/>
-              <a:t>Team Performance Analysis</a:t>
+              <a:t>Event Detection with Temporal GNNs</a:t>
             </a:r>
             <a:endParaRPr lang="en-PL" b="1" dirty="0"/>
           </a:p>
@@ -4244,46 +4453,52 @@
             </a:pPr>
             <a:r>
               <a:rPr lang="en-PL" b="1" dirty="0"/>
-              <a:t>Model for Decision Evaluation:</a:t>
+              <a:t>Event Detection Model:</a:t>
             </a:r>
           </a:p>
           <a:p>
             <a:r>
               <a:rPr lang="en-PL" dirty="0"/>
-              <a:t>Offline Actor-Critic DRL (paper as a base).</a:t>
+              <a:t>Use Convolutional GNNs </a:t>
             </a:r>
           </a:p>
           <a:p>
             <a:r>
               <a:rPr lang="en-PL" dirty="0"/>
-              <a:t>Focus on a the team.</a:t>
+              <a:t>Test different pooling methods,</a:t>
             </a:r>
           </a:p>
           <a:p>
             <a:r>
               <a:rPr lang="en-PL" dirty="0"/>
-              <a:t>Actions &amp; nodes represented as graphs</a:t>
+              <a:t>Develop model with RNNs.</a:t>
+            </a:r>
+          </a:p>
+          <a:p>
+            <a:pPr marL="0" indent="0">
+              <a:buNone/>
+            </a:pPr>
+            <a:r>
+              <a:rPr lang="en-PL" b="1" dirty="0"/>
+              <a:t>Potential Use Cases:</a:t>
             </a:r>
           </a:p>
           <a:p>
             <a:r>
               <a:rPr lang="en-PL" dirty="0"/>
-              <a:t>Reward: reward according to the paper</a:t>
-            </a:r>
-          </a:p>
-          <a:p>
-            <a:pPr marL="0" indent="0">
-              <a:buNone/>
-            </a:pPr>
-            <a:r>
-              <a:rPr lang="en-PL" b="1" dirty="0"/>
-              <a:t>Performance Analysis:</a:t>
+              <a:t>Collect useful statisctics for analysis,</a:t>
             </a:r>
           </a:p>
           <a:p>
             <a:r>
               <a:rPr lang="en-PL" dirty="0"/>
-              <a:t>Analyze clutch game-plays by comparing possible actions with chosen one. </a:t>
+              <a:t>Generate heatmaps for each phase. </a:t>
+            </a:r>
+          </a:p>
+          <a:p>
+            <a:r>
+              <a:rPr lang="en-PL" dirty="0"/>
+              <a:t>Generate passing networks for specific phases.</a:t>
             </a:r>
           </a:p>
         </p:txBody>
@@ -4291,7 +4506,7 @@
     </p:spTree>
     <p:extLst>
       <p:ext uri="{BB962C8B-B14F-4D97-AF65-F5344CB8AC3E}">
-        <p14:creationId xmlns:p14="http://schemas.microsoft.com/office/powerpoint/2010/main" val="2665156346"/>
+        <p14:creationId xmlns:p14="http://schemas.microsoft.com/office/powerpoint/2010/main" val="308626057"/>
       </p:ext>
     </p:extLst>
   </p:cSld>
@@ -4376,14 +4591,351 @@
             <a:pPr marL="0" indent="0">
               <a:buNone/>
             </a:pPr>
-            <a:endParaRPr lang="en-PL" dirty="0"/>
+            <a:r>
+              <a:rPr lang="en-GB" dirty="0"/>
+              <a:t>Articles:</a:t>
+            </a:r>
+          </a:p>
+          <a:p>
+            <a:r>
+              <a:rPr lang="en-GB" dirty="0"/>
+              <a:t>Goal!! Event detection in sports video</a:t>
+            </a:r>
+          </a:p>
+          <a:p>
+            <a:pPr marL="0" indent="0">
+              <a:buNone/>
+            </a:pPr>
+            <a:r>
+              <a:rPr lang="en-GB" dirty="0">
+                <a:hlinkClick r:id="rId2"/>
+              </a:rPr>
+              <a:t>https://www.researchgate.net/publication/313228631_Goal_Event_detection_in_sports_video</a:t>
+            </a:r>
+            <a:endParaRPr lang="en-GB" dirty="0"/>
+          </a:p>
+          <a:p>
+            <a:r>
+              <a:rPr lang="en-GB" dirty="0"/>
+              <a:t>Spotting Football Events Using Two-Stream Convolutional Neural Network and Dilated Recurrent Neural Network</a:t>
+            </a:r>
+          </a:p>
+          <a:p>
+            <a:pPr marL="0" indent="0">
+              <a:buNone/>
+            </a:pPr>
+            <a:r>
+              <a:rPr lang="en-GB" dirty="0">
+                <a:hlinkClick r:id="rId3"/>
+              </a:rPr>
+              <a:t>https://ieeexplore.ieee.org/document/9410263</a:t>
+            </a:r>
+            <a:endParaRPr lang="en-GB" dirty="0"/>
+          </a:p>
+          <a:p>
+            <a:r>
+              <a:rPr lang="en-GB" dirty="0"/>
+              <a:t>Event Detection in Football using Graph Convolutional Networks</a:t>
+            </a:r>
+          </a:p>
+          <a:p>
+            <a:pPr marL="0" indent="0">
+              <a:buNone/>
+            </a:pPr>
+            <a:r>
+              <a:rPr lang="en-GB" dirty="0">
+                <a:hlinkClick r:id="rId4"/>
+              </a:rPr>
+              <a:t>https://arxiv.org/abs/2301.10052</a:t>
+            </a:r>
+            <a:endParaRPr lang="en-GB" dirty="0"/>
           </a:p>
         </p:txBody>
       </p:sp>
     </p:spTree>
     <p:extLst>
       <p:ext uri="{BB962C8B-B14F-4D97-AF65-F5344CB8AC3E}">
-        <p14:creationId xmlns:p14="http://schemas.microsoft.com/office/powerpoint/2010/main" val="308626057"/>
+        <p14:creationId xmlns:p14="http://schemas.microsoft.com/office/powerpoint/2010/main" val="2474142889"/>
+      </p:ext>
+    </p:extLst>
+  </p:cSld>
+  <p:clrMapOvr>
+    <a:masterClrMapping/>
+  </p:clrMapOvr>
+</p:sld>
+</file>
+
+<file path=ppt/slides/slide8.xml><?xml version="1.0" encoding="utf-8"?>
+<p:sld xmlns:a="http://schemas.openxmlformats.org/drawingml/2006/main" xmlns:r="http://schemas.openxmlformats.org/officeDocument/2006/relationships" xmlns:p="http://schemas.openxmlformats.org/presentationml/2006/main">
+  <p:cSld>
+    <p:spTree>
+      <p:nvGrpSpPr>
+        <p:cNvPr id="1" name=""/>
+        <p:cNvGrpSpPr/>
+        <p:nvPr/>
+      </p:nvGrpSpPr>
+      <p:grpSpPr>
+        <a:xfrm>
+          <a:off x="0" y="0"/>
+          <a:ext cx="0" cy="0"/>
+          <a:chOff x="0" y="0"/>
+          <a:chExt cx="0" cy="0"/>
+        </a:xfrm>
+      </p:grpSpPr>
+      <p:sp>
+        <p:nvSpPr>
+          <p:cNvPr id="2" name="Title 1">
+            <a:extLst>
+              <a:ext uri="{FF2B5EF4-FFF2-40B4-BE49-F238E27FC236}">
+                <a16:creationId xmlns:a16="http://schemas.microsoft.com/office/drawing/2014/main" id="{525E1026-4CD5-912D-FE58-DBB1808991AE}"/>
+              </a:ext>
+            </a:extLst>
+          </p:cNvPr>
+          <p:cNvSpPr>
+            <a:spLocks noGrp="1"/>
+          </p:cNvSpPr>
+          <p:nvPr>
+            <p:ph type="title"/>
+          </p:nvPr>
+        </p:nvSpPr>
+        <p:spPr/>
+        <p:txBody>
+          <a:bodyPr/>
+          <a:lstStyle/>
+          <a:p>
+            <a:r>
+              <a:rPr lang="en-PL" b="1" dirty="0"/>
+              <a:t>Ghosting to analyze tactics</a:t>
+            </a:r>
+          </a:p>
+        </p:txBody>
+      </p:sp>
+      <p:sp>
+        <p:nvSpPr>
+          <p:cNvPr id="3" name="Content Placeholder 2">
+            <a:extLst>
+              <a:ext uri="{FF2B5EF4-FFF2-40B4-BE49-F238E27FC236}">
+                <a16:creationId xmlns:a16="http://schemas.microsoft.com/office/drawing/2014/main" id="{50024177-7230-AF71-AF22-E8C0CE441D4D}"/>
+              </a:ext>
+            </a:extLst>
+          </p:cNvPr>
+          <p:cNvSpPr>
+            <a:spLocks noGrp="1"/>
+          </p:cNvSpPr>
+          <p:nvPr>
+            <p:ph idx="1"/>
+          </p:nvPr>
+        </p:nvSpPr>
+        <p:spPr>
+          <a:xfrm>
+            <a:off x="838200" y="1690687"/>
+            <a:ext cx="10515600" cy="4802187"/>
+          </a:xfrm>
+        </p:spPr>
+        <p:txBody>
+          <a:bodyPr>
+            <a:normAutofit fontScale="92500" lnSpcReduction="10000"/>
+          </a:bodyPr>
+          <a:lstStyle/>
+          <a:p>
+            <a:pPr marL="0" indent="0">
+              <a:buNone/>
+            </a:pPr>
+            <a:r>
+              <a:rPr lang="en-PL" b="1" dirty="0"/>
+              <a:t>Goal: </a:t>
+            </a:r>
+            <a:r>
+              <a:rPr lang="en-GB" dirty="0"/>
+              <a:t>predict the actions of soccer players, which are defined as their positions at future time steps. </a:t>
+            </a:r>
+            <a:endParaRPr lang="en-PL" dirty="0"/>
+          </a:p>
+          <a:p>
+            <a:pPr marL="0" indent="0">
+              <a:buNone/>
+            </a:pPr>
+            <a:r>
+              <a:rPr lang="en-PL" b="1" dirty="0"/>
+              <a:t>Imitation Learning Model</a:t>
+            </a:r>
+          </a:p>
+          <a:p>
+            <a:pPr marL="0" indent="0">
+              <a:buNone/>
+            </a:pPr>
+            <a:r>
+              <a:rPr lang="en-PL" dirty="0"/>
+              <a:t>- Use RNNs to capture temporality.</a:t>
+            </a:r>
+            <a:br>
+              <a:rPr lang="en-PL" dirty="0"/>
+            </a:br>
+            <a:r>
+              <a:rPr lang="en-PL" dirty="0"/>
+              <a:t>- Phase 1: </a:t>
+            </a:r>
+            <a:r>
+              <a:rPr lang="en-GB" dirty="0"/>
+              <a:t>focuses on training individual player models for various roles.</a:t>
+            </a:r>
+          </a:p>
+          <a:p>
+            <a:pPr marL="0" indent="0">
+              <a:buNone/>
+            </a:pPr>
+            <a:r>
+              <a:rPr lang="en-GB" dirty="0"/>
+              <a:t>- Phase2: joint training of these pre-trained player models for collaborative multi-agent learning.</a:t>
+            </a:r>
+          </a:p>
+          <a:p>
+            <a:pPr marL="0" indent="0">
+              <a:buNone/>
+            </a:pPr>
+            <a:r>
+              <a:rPr lang="en-GB" dirty="0"/>
+              <a:t>- Develop with GNNs.</a:t>
+            </a:r>
+          </a:p>
+          <a:p>
+            <a:pPr marL="0" indent="0">
+              <a:buNone/>
+            </a:pPr>
+            <a:r>
+              <a:rPr lang="en-GB" b="1" dirty="0"/>
+              <a:t>Tactical Analysis:</a:t>
+            </a:r>
+            <a:br>
+              <a:rPr lang="en-GB" b="1" dirty="0"/>
+            </a:br>
+            <a:r>
+              <a:rPr lang="en-GB" dirty="0"/>
+              <a:t>- Analyse specific game plays from the game: corners, ball on the wings,</a:t>
+            </a:r>
+            <a:r>
+              <a:rPr lang="en-PL" dirty="0"/>
+              <a:t> ball played at middle. </a:t>
+            </a:r>
+          </a:p>
+          <a:p>
+            <a:pPr marL="0" indent="0">
+              <a:buNone/>
+            </a:pPr>
+            <a:r>
+              <a:rPr lang="en-PL" dirty="0"/>
+              <a:t>- Use for teams comparisons. </a:t>
+            </a:r>
+            <a:endParaRPr lang="en-GB" dirty="0"/>
+          </a:p>
+        </p:txBody>
+      </p:sp>
+    </p:spTree>
+    <p:extLst>
+      <p:ext uri="{BB962C8B-B14F-4D97-AF65-F5344CB8AC3E}">
+        <p14:creationId xmlns:p14="http://schemas.microsoft.com/office/powerpoint/2010/main" val="1971310419"/>
+      </p:ext>
+    </p:extLst>
+  </p:cSld>
+  <p:clrMapOvr>
+    <a:masterClrMapping/>
+  </p:clrMapOvr>
+</p:sld>
+</file>
+
+<file path=ppt/slides/slide9.xml><?xml version="1.0" encoding="utf-8"?>
+<p:sld xmlns:a="http://schemas.openxmlformats.org/drawingml/2006/main" xmlns:r="http://schemas.openxmlformats.org/officeDocument/2006/relationships" xmlns:p="http://schemas.openxmlformats.org/presentationml/2006/main">
+  <p:cSld>
+    <p:spTree>
+      <p:nvGrpSpPr>
+        <p:cNvPr id="1" name=""/>
+        <p:cNvGrpSpPr/>
+        <p:nvPr/>
+      </p:nvGrpSpPr>
+      <p:grpSpPr>
+        <a:xfrm>
+          <a:off x="0" y="0"/>
+          <a:ext cx="0" cy="0"/>
+          <a:chOff x="0" y="0"/>
+          <a:chExt cx="0" cy="0"/>
+        </a:xfrm>
+      </p:grpSpPr>
+      <p:sp>
+        <p:nvSpPr>
+          <p:cNvPr id="2" name="Title 1">
+            <a:extLst>
+              <a:ext uri="{FF2B5EF4-FFF2-40B4-BE49-F238E27FC236}">
+                <a16:creationId xmlns:a16="http://schemas.microsoft.com/office/drawing/2014/main" id="{525E1026-4CD5-912D-FE58-DBB1808991AE}"/>
+              </a:ext>
+            </a:extLst>
+          </p:cNvPr>
+          <p:cNvSpPr>
+            <a:spLocks noGrp="1"/>
+          </p:cNvSpPr>
+          <p:nvPr>
+            <p:ph type="title"/>
+          </p:nvPr>
+        </p:nvSpPr>
+        <p:spPr/>
+        <p:txBody>
+          <a:bodyPr/>
+          <a:lstStyle/>
+          <a:p>
+            <a:r>
+              <a:rPr lang="en-PL" b="1" dirty="0"/>
+              <a:t>Ghosting to analyze tactics</a:t>
+            </a:r>
+          </a:p>
+        </p:txBody>
+      </p:sp>
+      <p:sp>
+        <p:nvSpPr>
+          <p:cNvPr id="3" name="Content Placeholder 2">
+            <a:extLst>
+              <a:ext uri="{FF2B5EF4-FFF2-40B4-BE49-F238E27FC236}">
+                <a16:creationId xmlns:a16="http://schemas.microsoft.com/office/drawing/2014/main" id="{50024177-7230-AF71-AF22-E8C0CE441D4D}"/>
+              </a:ext>
+            </a:extLst>
+          </p:cNvPr>
+          <p:cNvSpPr>
+            <a:spLocks noGrp="1"/>
+          </p:cNvSpPr>
+          <p:nvPr>
+            <p:ph idx="1"/>
+          </p:nvPr>
+        </p:nvSpPr>
+        <p:spPr/>
+        <p:txBody>
+          <a:bodyPr/>
+          <a:lstStyle/>
+          <a:p>
+            <a:r>
+              <a:rPr lang="en-GB" dirty="0"/>
+              <a:t>Data-Driven Ghosting using Deep Imitation Learning</a:t>
+            </a:r>
+            <a:br>
+              <a:rPr lang="en-GB" dirty="0"/>
+            </a:br>
+            <a:r>
+              <a:rPr lang="en-GB" dirty="0">
+                <a:hlinkClick r:id="rId2"/>
+              </a:rPr>
+              <a:t>http://www.yisongyue.com/publications/ssac2017_ghosting.pdf</a:t>
+            </a:r>
+            <a:endParaRPr lang="en-GB" dirty="0"/>
+          </a:p>
+          <a:p>
+            <a:endParaRPr lang="en-GB" dirty="0"/>
+          </a:p>
+          <a:p>
+            <a:endParaRPr lang="en-PL" dirty="0"/>
+          </a:p>
+        </p:txBody>
+      </p:sp>
+    </p:spTree>
+    <p:extLst>
+      <p:ext uri="{BB962C8B-B14F-4D97-AF65-F5344CB8AC3E}">
+        <p14:creationId xmlns:p14="http://schemas.microsoft.com/office/powerpoint/2010/main" val="146615811"/>
       </p:ext>
     </p:extLst>
   </p:cSld>

--- a/Articles/topic_ideas.pptx
+++ b/Articles/topic_ideas.pptx
@@ -8,13 +8,20 @@
     <p:sldId id="256" r:id="rId2"/>
     <p:sldId id="257" r:id="rId3"/>
     <p:sldId id="258" r:id="rId4"/>
-    <p:sldId id="259" r:id="rId5"/>
-    <p:sldId id="260" r:id="rId6"/>
-    <p:sldId id="262" r:id="rId7"/>
-    <p:sldId id="265" r:id="rId8"/>
-    <p:sldId id="264" r:id="rId9"/>
-    <p:sldId id="263" r:id="rId10"/>
-    <p:sldId id="261" r:id="rId11"/>
+    <p:sldId id="266" r:id="rId5"/>
+    <p:sldId id="267" r:id="rId6"/>
+    <p:sldId id="259" r:id="rId7"/>
+    <p:sldId id="260" r:id="rId8"/>
+    <p:sldId id="262" r:id="rId9"/>
+    <p:sldId id="265" r:id="rId10"/>
+    <p:sldId id="269" r:id="rId11"/>
+    <p:sldId id="270" r:id="rId12"/>
+    <p:sldId id="271" r:id="rId13"/>
+    <p:sldId id="272" r:id="rId14"/>
+    <p:sldId id="264" r:id="rId15"/>
+    <p:sldId id="263" r:id="rId16"/>
+    <p:sldId id="268" r:id="rId17"/>
+    <p:sldId id="261" r:id="rId18"/>
   </p:sldIdLst>
   <p:sldSz cx="12192000" cy="6858000"/>
   <p:notesSz cx="6858000" cy="9144000"/>
@@ -270,7 +277,7 @@
           <a:p>
             <a:fld id="{648D7065-069B-0649-9FDA-93119899EAB2}" type="datetimeFigureOut">
               <a:rPr lang="en-PL" smtClean="0"/>
-              <a:t>06/11/2023</a:t>
+              <a:t>13/11/2023</a:t>
             </a:fld>
             <a:endParaRPr lang="en-PL"/>
           </a:p>
@@ -470,7 +477,7 @@
           <a:p>
             <a:fld id="{648D7065-069B-0649-9FDA-93119899EAB2}" type="datetimeFigureOut">
               <a:rPr lang="en-PL" smtClean="0"/>
-              <a:t>06/11/2023</a:t>
+              <a:t>13/11/2023</a:t>
             </a:fld>
             <a:endParaRPr lang="en-PL"/>
           </a:p>
@@ -680,7 +687,7 @@
           <a:p>
             <a:fld id="{648D7065-069B-0649-9FDA-93119899EAB2}" type="datetimeFigureOut">
               <a:rPr lang="en-PL" smtClean="0"/>
-              <a:t>06/11/2023</a:t>
+              <a:t>13/11/2023</a:t>
             </a:fld>
             <a:endParaRPr lang="en-PL"/>
           </a:p>
@@ -880,7 +887,7 @@
           <a:p>
             <a:fld id="{648D7065-069B-0649-9FDA-93119899EAB2}" type="datetimeFigureOut">
               <a:rPr lang="en-PL" smtClean="0"/>
-              <a:t>06/11/2023</a:t>
+              <a:t>13/11/2023</a:t>
             </a:fld>
             <a:endParaRPr lang="en-PL"/>
           </a:p>
@@ -1156,7 +1163,7 @@
           <a:p>
             <a:fld id="{648D7065-069B-0649-9FDA-93119899EAB2}" type="datetimeFigureOut">
               <a:rPr lang="en-PL" smtClean="0"/>
-              <a:t>06/11/2023</a:t>
+              <a:t>13/11/2023</a:t>
             </a:fld>
             <a:endParaRPr lang="en-PL"/>
           </a:p>
@@ -1424,7 +1431,7 @@
           <a:p>
             <a:fld id="{648D7065-069B-0649-9FDA-93119899EAB2}" type="datetimeFigureOut">
               <a:rPr lang="en-PL" smtClean="0"/>
-              <a:t>06/11/2023</a:t>
+              <a:t>13/11/2023</a:t>
             </a:fld>
             <a:endParaRPr lang="en-PL"/>
           </a:p>
@@ -1839,7 +1846,7 @@
           <a:p>
             <a:fld id="{648D7065-069B-0649-9FDA-93119899EAB2}" type="datetimeFigureOut">
               <a:rPr lang="en-PL" smtClean="0"/>
-              <a:t>06/11/2023</a:t>
+              <a:t>13/11/2023</a:t>
             </a:fld>
             <a:endParaRPr lang="en-PL"/>
           </a:p>
@@ -1981,7 +1988,7 @@
           <a:p>
             <a:fld id="{648D7065-069B-0649-9FDA-93119899EAB2}" type="datetimeFigureOut">
               <a:rPr lang="en-PL" smtClean="0"/>
-              <a:t>06/11/2023</a:t>
+              <a:t>13/11/2023</a:t>
             </a:fld>
             <a:endParaRPr lang="en-PL"/>
           </a:p>
@@ -2094,7 +2101,7 @@
           <a:p>
             <a:fld id="{648D7065-069B-0649-9FDA-93119899EAB2}" type="datetimeFigureOut">
               <a:rPr lang="en-PL" smtClean="0"/>
-              <a:t>06/11/2023</a:t>
+              <a:t>13/11/2023</a:t>
             </a:fld>
             <a:endParaRPr lang="en-PL"/>
           </a:p>
@@ -2407,7 +2414,7 @@
           <a:p>
             <a:fld id="{648D7065-069B-0649-9FDA-93119899EAB2}" type="datetimeFigureOut">
               <a:rPr lang="en-PL" smtClean="0"/>
-              <a:t>06/11/2023</a:t>
+              <a:t>13/11/2023</a:t>
             </a:fld>
             <a:endParaRPr lang="en-PL"/>
           </a:p>
@@ -2696,7 +2703,7 @@
           <a:p>
             <a:fld id="{648D7065-069B-0649-9FDA-93119899EAB2}" type="datetimeFigureOut">
               <a:rPr lang="en-PL" smtClean="0"/>
-              <a:t>06/11/2023</a:t>
+              <a:t>13/11/2023</a:t>
             </a:fld>
             <a:endParaRPr lang="en-PL"/>
           </a:p>
@@ -2939,7 +2946,7 @@
           <a:p>
             <a:fld id="{648D7065-069B-0649-9FDA-93119899EAB2}" type="datetimeFigureOut">
               <a:rPr lang="en-PL" smtClean="0"/>
-              <a:t>06/11/2023</a:t>
+              <a:t>13/11/2023</a:t>
             </a:fld>
             <a:endParaRPr lang="en-PL"/>
           </a:p>
@@ -3621,6 +3628,1286 @@
           <a:p>
             <a:pPr lvl="0"/>
             <a:r>
+              <a:rPr lang="en-GB" b="1" dirty="0" err="1"/>
+              <a:t>SoccerNet</a:t>
+            </a:r>
+            <a:r>
+              <a:rPr lang="en-GB" b="1" dirty="0"/>
+              <a:t> Features - Code</a:t>
+            </a:r>
+            <a:endParaRPr lang="en-PL" b="1" dirty="0"/>
+          </a:p>
+        </p:txBody>
+      </p:sp>
+      <p:sp>
+        <p:nvSpPr>
+          <p:cNvPr id="3" name="Content Placeholder 2">
+            <a:extLst>
+              <a:ext uri="{FF2B5EF4-FFF2-40B4-BE49-F238E27FC236}">
+                <a16:creationId xmlns:a16="http://schemas.microsoft.com/office/drawing/2014/main" id="{EFD4FF62-497D-CBE6-4767-D052782DB005}"/>
+              </a:ext>
+            </a:extLst>
+          </p:cNvPr>
+          <p:cNvSpPr>
+            <a:spLocks noGrp="1"/>
+          </p:cNvSpPr>
+          <p:nvPr>
+            <p:ph idx="1"/>
+          </p:nvPr>
+        </p:nvSpPr>
+        <p:spPr>
+          <a:xfrm>
+            <a:off x="838200" y="1825625"/>
+            <a:ext cx="6493641" cy="4351338"/>
+          </a:xfrm>
+        </p:spPr>
+        <p:txBody>
+          <a:bodyPr>
+            <a:normAutofit/>
+          </a:bodyPr>
+          <a:lstStyle/>
+          <a:p>
+            <a:pPr marL="0" indent="0">
+              <a:buNone/>
+            </a:pPr>
+            <a:r>
+              <a:rPr lang="en-GB" b="1" dirty="0" err="1"/>
+              <a:t>PaddleVideo</a:t>
+            </a:r>
+            <a:r>
+              <a:rPr lang="en-GB" b="1" dirty="0"/>
+              <a:t> Model:</a:t>
+            </a:r>
+          </a:p>
+          <a:p>
+            <a:r>
+              <a:rPr lang="en-GB" dirty="0"/>
+              <a:t>Package  for video tasks.</a:t>
+            </a:r>
+          </a:p>
+          <a:p>
+            <a:r>
+              <a:rPr lang="en-GB" dirty="0"/>
+              <a:t>Generates features used for classification.</a:t>
+            </a:r>
+          </a:p>
+          <a:p>
+            <a:r>
+              <a:rPr lang="en-GB" dirty="0"/>
+              <a:t>Different modelling frameworks: ["Recognizer1D", "Recognizer2D", "Recognizer3D", "</a:t>
+            </a:r>
+            <a:r>
+              <a:rPr lang="en-GB" dirty="0" err="1"/>
+              <a:t>BMNLocalizer</a:t>
+            </a:r>
+            <a:r>
+              <a:rPr lang="en-GB" dirty="0"/>
+              <a:t>"].</a:t>
+            </a:r>
+          </a:p>
+          <a:p>
+            <a:r>
+              <a:rPr lang="en-GB" dirty="0"/>
+              <a:t>Different backbone networks and head for classification layer.</a:t>
+            </a:r>
+          </a:p>
+          <a:p>
+            <a:endParaRPr lang="en-GB" dirty="0"/>
+          </a:p>
+          <a:p>
+            <a:endParaRPr lang="en-GB" dirty="0"/>
+          </a:p>
+          <a:p>
+            <a:endParaRPr lang="en-GB" dirty="0"/>
+          </a:p>
+        </p:txBody>
+      </p:sp>
+      <p:pic>
+        <p:nvPicPr>
+          <p:cNvPr id="1026" name="Picture 2">
+            <a:extLst>
+              <a:ext uri="{FF2B5EF4-FFF2-40B4-BE49-F238E27FC236}">
+                <a16:creationId xmlns:a16="http://schemas.microsoft.com/office/drawing/2014/main" id="{029F4678-88D5-F718-E62F-EC2412391BC8}"/>
+              </a:ext>
+            </a:extLst>
+          </p:cNvPr>
+          <p:cNvPicPr>
+            <a:picLocks noChangeAspect="1" noChangeArrowheads="1"/>
+          </p:cNvPicPr>
+          <p:nvPr/>
+        </p:nvPicPr>
+        <p:blipFill>
+          <a:blip r:embed="rId2">
+            <a:extLst>
+              <a:ext uri="{28A0092B-C50C-407E-A947-70E740481C1C}">
+                <a14:useLocalDpi xmlns:a14="http://schemas.microsoft.com/office/drawing/2010/main" val="0"/>
+              </a:ext>
+            </a:extLst>
+          </a:blip>
+          <a:srcRect/>
+          <a:stretch>
+            <a:fillRect/>
+          </a:stretch>
+        </p:blipFill>
+        <p:spPr bwMode="auto">
+          <a:xfrm>
+            <a:off x="7331841" y="2031562"/>
+            <a:ext cx="4860159" cy="3096616"/>
+          </a:xfrm>
+          <a:prstGeom prst="rect">
+            <a:avLst/>
+          </a:prstGeom>
+          <a:noFill/>
+          <a:extLst>
+            <a:ext uri="{909E8E84-426E-40DD-AFC4-6F175D3DCCD1}">
+              <a14:hiddenFill xmlns:a14="http://schemas.microsoft.com/office/drawing/2010/main">
+                <a:solidFill>
+                  <a:srgbClr val="FFFFFF"/>
+                </a:solidFill>
+              </a14:hiddenFill>
+            </a:ext>
+          </a:extLst>
+        </p:spPr>
+      </p:pic>
+    </p:spTree>
+    <p:extLst>
+      <p:ext uri="{BB962C8B-B14F-4D97-AF65-F5344CB8AC3E}">
+        <p14:creationId xmlns:p14="http://schemas.microsoft.com/office/powerpoint/2010/main" val="2783080575"/>
+      </p:ext>
+    </p:extLst>
+  </p:cSld>
+  <p:clrMapOvr>
+    <a:masterClrMapping/>
+  </p:clrMapOvr>
+</p:sld>
+</file>
+
+<file path=ppt/slides/slide11.xml><?xml version="1.0" encoding="utf-8"?>
+<p:sld xmlns:a="http://schemas.openxmlformats.org/drawingml/2006/main" xmlns:r="http://schemas.openxmlformats.org/officeDocument/2006/relationships" xmlns:p="http://schemas.openxmlformats.org/presentationml/2006/main">
+  <p:cSld>
+    <p:spTree>
+      <p:nvGrpSpPr>
+        <p:cNvPr id="1" name=""/>
+        <p:cNvGrpSpPr/>
+        <p:nvPr/>
+      </p:nvGrpSpPr>
+      <p:grpSpPr>
+        <a:xfrm>
+          <a:off x="0" y="0"/>
+          <a:ext cx="0" cy="0"/>
+          <a:chOff x="0" y="0"/>
+          <a:chExt cx="0" cy="0"/>
+        </a:xfrm>
+      </p:grpSpPr>
+      <p:sp>
+        <p:nvSpPr>
+          <p:cNvPr id="2" name="Title 1">
+            <a:extLst>
+              <a:ext uri="{FF2B5EF4-FFF2-40B4-BE49-F238E27FC236}">
+                <a16:creationId xmlns:a16="http://schemas.microsoft.com/office/drawing/2014/main" id="{1D71286A-3E6C-A66A-0F6C-582B7E9CF30C}"/>
+              </a:ext>
+            </a:extLst>
+          </p:cNvPr>
+          <p:cNvSpPr>
+            <a:spLocks noGrp="1"/>
+          </p:cNvSpPr>
+          <p:nvPr>
+            <p:ph type="title"/>
+          </p:nvPr>
+        </p:nvSpPr>
+        <p:spPr/>
+        <p:txBody>
+          <a:bodyPr>
+            <a:normAutofit/>
+          </a:bodyPr>
+          <a:lstStyle/>
+          <a:p>
+            <a:r>
+              <a:rPr lang="en-GB" b="1" dirty="0"/>
+              <a:t>Football Events – positional data</a:t>
+            </a:r>
+            <a:endParaRPr lang="en-PL" b="1" dirty="0"/>
+          </a:p>
+        </p:txBody>
+      </p:sp>
+      <p:sp>
+        <p:nvSpPr>
+          <p:cNvPr id="3" name="Content Placeholder 2">
+            <a:extLst>
+              <a:ext uri="{FF2B5EF4-FFF2-40B4-BE49-F238E27FC236}">
+                <a16:creationId xmlns:a16="http://schemas.microsoft.com/office/drawing/2014/main" id="{EFD4FF62-497D-CBE6-4767-D052782DB005}"/>
+              </a:ext>
+            </a:extLst>
+          </p:cNvPr>
+          <p:cNvSpPr>
+            <a:spLocks noGrp="1"/>
+          </p:cNvSpPr>
+          <p:nvPr>
+            <p:ph idx="1"/>
+          </p:nvPr>
+        </p:nvSpPr>
+        <p:spPr>
+          <a:xfrm>
+            <a:off x="838200" y="1825625"/>
+            <a:ext cx="10515600" cy="4351338"/>
+          </a:xfrm>
+        </p:spPr>
+        <p:txBody>
+          <a:bodyPr>
+            <a:normAutofit fontScale="92500" lnSpcReduction="10000"/>
+          </a:bodyPr>
+          <a:lstStyle/>
+          <a:p>
+            <a:pPr marL="0" indent="0">
+              <a:buNone/>
+            </a:pPr>
+            <a:r>
+              <a:rPr lang="en-GB" b="1" dirty="0"/>
+              <a:t>Article</a:t>
+            </a:r>
+            <a:r>
+              <a:rPr lang="en-GB" dirty="0"/>
+              <a:t>: Slicing and dicing soccer: automatic detection of complex events from </a:t>
+            </a:r>
+            <a:r>
+              <a:rPr lang="en-GB" dirty="0" err="1"/>
+              <a:t>spatio</a:t>
+            </a:r>
+            <a:r>
+              <a:rPr lang="en-GB" dirty="0"/>
+              <a:t>-temporal data </a:t>
+            </a:r>
+          </a:p>
+          <a:p>
+            <a:r>
+              <a:rPr lang="en-GB" dirty="0"/>
+              <a:t>Formalizing events based on principled ITL.</a:t>
+            </a:r>
+          </a:p>
+          <a:p>
+            <a:r>
+              <a:rPr lang="en-GB" dirty="0"/>
+              <a:t>An open source soccer simulation engine to release the synthetic Soccer Event Recognition dataset.</a:t>
+            </a:r>
+          </a:p>
+          <a:p>
+            <a:r>
+              <a:rPr lang="en-GB" dirty="0"/>
+              <a:t>Repository consists:</a:t>
+            </a:r>
+          </a:p>
+          <a:p>
+            <a:pPr marL="0" indent="0">
+              <a:buNone/>
+            </a:pPr>
+            <a:r>
+              <a:rPr lang="en-GB" dirty="0"/>
+              <a:t>a) </a:t>
+            </a:r>
+            <a:r>
+              <a:rPr lang="en-GB" dirty="0" err="1"/>
+              <a:t>EventDetector</a:t>
+            </a:r>
+            <a:r>
+              <a:rPr lang="en-GB" dirty="0"/>
+              <a:t> Atomic (with Genetic Optimizer and Evaluation code)</a:t>
+            </a:r>
+          </a:p>
+          <a:p>
+            <a:pPr marL="0" indent="0">
+              <a:buNone/>
+            </a:pPr>
+            <a:r>
+              <a:rPr lang="en-GB" dirty="0"/>
+              <a:t>b) </a:t>
+            </a:r>
+            <a:r>
+              <a:rPr lang="en-GB" dirty="0" err="1"/>
+              <a:t>EventDetector</a:t>
+            </a:r>
+            <a:r>
+              <a:rPr lang="en-GB" dirty="0"/>
+              <a:t> Complex</a:t>
+            </a:r>
+          </a:p>
+          <a:p>
+            <a:pPr marL="0" indent="0">
+              <a:buNone/>
+            </a:pPr>
+            <a:r>
+              <a:rPr lang="en-GB" dirty="0"/>
+              <a:t>c) Visualization System (to visualize annotated and detected events super-imposed on the video)</a:t>
+            </a:r>
+          </a:p>
+          <a:p>
+            <a:endParaRPr lang="en-GB" dirty="0"/>
+          </a:p>
+          <a:p>
+            <a:endParaRPr lang="en-GB" dirty="0"/>
+          </a:p>
+        </p:txBody>
+      </p:sp>
+    </p:spTree>
+    <p:extLst>
+      <p:ext uri="{BB962C8B-B14F-4D97-AF65-F5344CB8AC3E}">
+        <p14:creationId xmlns:p14="http://schemas.microsoft.com/office/powerpoint/2010/main" val="2453045031"/>
+      </p:ext>
+    </p:extLst>
+  </p:cSld>
+  <p:clrMapOvr>
+    <a:masterClrMapping/>
+  </p:clrMapOvr>
+</p:sld>
+</file>
+
+<file path=ppt/slides/slide12.xml><?xml version="1.0" encoding="utf-8"?>
+<p:sld xmlns:a="http://schemas.openxmlformats.org/drawingml/2006/main" xmlns:r="http://schemas.openxmlformats.org/officeDocument/2006/relationships" xmlns:p="http://schemas.openxmlformats.org/presentationml/2006/main">
+  <p:cSld>
+    <p:spTree>
+      <p:nvGrpSpPr>
+        <p:cNvPr id="1" name=""/>
+        <p:cNvGrpSpPr/>
+        <p:nvPr/>
+      </p:nvGrpSpPr>
+      <p:grpSpPr>
+        <a:xfrm>
+          <a:off x="0" y="0"/>
+          <a:ext cx="0" cy="0"/>
+          <a:chOff x="0" y="0"/>
+          <a:chExt cx="0" cy="0"/>
+        </a:xfrm>
+      </p:grpSpPr>
+      <p:sp>
+        <p:nvSpPr>
+          <p:cNvPr id="2" name="Title 1">
+            <a:extLst>
+              <a:ext uri="{FF2B5EF4-FFF2-40B4-BE49-F238E27FC236}">
+                <a16:creationId xmlns:a16="http://schemas.microsoft.com/office/drawing/2014/main" id="{1D71286A-3E6C-A66A-0F6C-582B7E9CF30C}"/>
+              </a:ext>
+            </a:extLst>
+          </p:cNvPr>
+          <p:cNvSpPr>
+            <a:spLocks noGrp="1"/>
+          </p:cNvSpPr>
+          <p:nvPr>
+            <p:ph type="title"/>
+          </p:nvPr>
+        </p:nvSpPr>
+        <p:spPr/>
+        <p:txBody>
+          <a:bodyPr>
+            <a:normAutofit/>
+          </a:bodyPr>
+          <a:lstStyle/>
+          <a:p>
+            <a:r>
+              <a:rPr lang="en-GB" b="1" dirty="0"/>
+              <a:t>Soccer Action Spotting</a:t>
+            </a:r>
+            <a:endParaRPr lang="en-PL" b="1" dirty="0"/>
+          </a:p>
+        </p:txBody>
+      </p:sp>
+      <p:sp>
+        <p:nvSpPr>
+          <p:cNvPr id="5" name="Content Placeholder 2">
+            <a:extLst>
+              <a:ext uri="{FF2B5EF4-FFF2-40B4-BE49-F238E27FC236}">
+                <a16:creationId xmlns:a16="http://schemas.microsoft.com/office/drawing/2014/main" id="{91510724-08CF-71D6-3721-7FE2983450E7}"/>
+              </a:ext>
+            </a:extLst>
+          </p:cNvPr>
+          <p:cNvSpPr txBox="1">
+            <a:spLocks/>
+          </p:cNvSpPr>
+          <p:nvPr/>
+        </p:nvSpPr>
+        <p:spPr>
+          <a:xfrm>
+            <a:off x="838200" y="1399956"/>
+            <a:ext cx="10515599" cy="1895037"/>
+          </a:xfrm>
+          <a:prstGeom prst="rect">
+            <a:avLst/>
+          </a:prstGeom>
+        </p:spPr>
+        <p:txBody>
+          <a:bodyPr vert="horz" lIns="91440" tIns="45720" rIns="91440" bIns="45720" rtlCol="0">
+            <a:normAutofit/>
+          </a:bodyPr>
+          <a:lstStyle>
+            <a:lvl1pPr marL="228600" indent="-228600" algn="l" defTabSz="914400" rtl="0" eaLnBrk="1" latinLnBrk="0" hangingPunct="1">
+              <a:lnSpc>
+                <a:spcPct val="90000"/>
+              </a:lnSpc>
+              <a:spcBef>
+                <a:spcPts val="1000"/>
+              </a:spcBef>
+              <a:buFont typeface="Arial" panose="020B0604020202020204" pitchFamily="34" charset="0"/>
+              <a:buChar char="•"/>
+              <a:defRPr sz="2800" kern="1200">
+                <a:solidFill>
+                  <a:schemeClr val="tx1"/>
+                </a:solidFill>
+                <a:latin typeface="+mn-lt"/>
+                <a:ea typeface="+mn-ea"/>
+                <a:cs typeface="+mn-cs"/>
+              </a:defRPr>
+            </a:lvl1pPr>
+            <a:lvl2pPr marL="685800" indent="-228600" algn="l" defTabSz="914400" rtl="0" eaLnBrk="1" latinLnBrk="0" hangingPunct="1">
+              <a:lnSpc>
+                <a:spcPct val="90000"/>
+              </a:lnSpc>
+              <a:spcBef>
+                <a:spcPts val="500"/>
+              </a:spcBef>
+              <a:buFont typeface="Arial" panose="020B0604020202020204" pitchFamily="34" charset="0"/>
+              <a:buChar char="•"/>
+              <a:defRPr sz="2400" kern="1200">
+                <a:solidFill>
+                  <a:schemeClr val="tx1"/>
+                </a:solidFill>
+                <a:latin typeface="+mn-lt"/>
+                <a:ea typeface="+mn-ea"/>
+                <a:cs typeface="+mn-cs"/>
+              </a:defRPr>
+            </a:lvl2pPr>
+            <a:lvl3pPr marL="1143000" indent="-228600" algn="l" defTabSz="914400" rtl="0" eaLnBrk="1" latinLnBrk="0" hangingPunct="1">
+              <a:lnSpc>
+                <a:spcPct val="90000"/>
+              </a:lnSpc>
+              <a:spcBef>
+                <a:spcPts val="500"/>
+              </a:spcBef>
+              <a:buFont typeface="Arial" panose="020B0604020202020204" pitchFamily="34" charset="0"/>
+              <a:buChar char="•"/>
+              <a:defRPr sz="2000" kern="1200">
+                <a:solidFill>
+                  <a:schemeClr val="tx1"/>
+                </a:solidFill>
+                <a:latin typeface="+mn-lt"/>
+                <a:ea typeface="+mn-ea"/>
+                <a:cs typeface="+mn-cs"/>
+              </a:defRPr>
+            </a:lvl3pPr>
+            <a:lvl4pPr marL="1600200" indent="-228600" algn="l" defTabSz="914400" rtl="0" eaLnBrk="1" latinLnBrk="0" hangingPunct="1">
+              <a:lnSpc>
+                <a:spcPct val="90000"/>
+              </a:lnSpc>
+              <a:spcBef>
+                <a:spcPts val="500"/>
+              </a:spcBef>
+              <a:buFont typeface="Arial" panose="020B0604020202020204" pitchFamily="34" charset="0"/>
+              <a:buChar char="•"/>
+              <a:defRPr sz="1800" kern="1200">
+                <a:solidFill>
+                  <a:schemeClr val="tx1"/>
+                </a:solidFill>
+                <a:latin typeface="+mn-lt"/>
+                <a:ea typeface="+mn-ea"/>
+                <a:cs typeface="+mn-cs"/>
+              </a:defRPr>
+            </a:lvl4pPr>
+            <a:lvl5pPr marL="2057400" indent="-228600" algn="l" defTabSz="914400" rtl="0" eaLnBrk="1" latinLnBrk="0" hangingPunct="1">
+              <a:lnSpc>
+                <a:spcPct val="90000"/>
+              </a:lnSpc>
+              <a:spcBef>
+                <a:spcPts val="500"/>
+              </a:spcBef>
+              <a:buFont typeface="Arial" panose="020B0604020202020204" pitchFamily="34" charset="0"/>
+              <a:buChar char="•"/>
+              <a:defRPr sz="1800" kern="1200">
+                <a:solidFill>
+                  <a:schemeClr val="tx1"/>
+                </a:solidFill>
+                <a:latin typeface="+mn-lt"/>
+                <a:ea typeface="+mn-ea"/>
+                <a:cs typeface="+mn-cs"/>
+              </a:defRPr>
+            </a:lvl5pPr>
+            <a:lvl6pPr marL="2514600" indent="-228600" algn="l" defTabSz="914400" rtl="0" eaLnBrk="1" latinLnBrk="0" hangingPunct="1">
+              <a:lnSpc>
+                <a:spcPct val="90000"/>
+              </a:lnSpc>
+              <a:spcBef>
+                <a:spcPts val="500"/>
+              </a:spcBef>
+              <a:buFont typeface="Arial" panose="020B0604020202020204" pitchFamily="34" charset="0"/>
+              <a:buChar char="•"/>
+              <a:defRPr sz="1800" kern="1200">
+                <a:solidFill>
+                  <a:schemeClr val="tx1"/>
+                </a:solidFill>
+                <a:latin typeface="+mn-lt"/>
+                <a:ea typeface="+mn-ea"/>
+                <a:cs typeface="+mn-cs"/>
+              </a:defRPr>
+            </a:lvl6pPr>
+            <a:lvl7pPr marL="2971800" indent="-228600" algn="l" defTabSz="914400" rtl="0" eaLnBrk="1" latinLnBrk="0" hangingPunct="1">
+              <a:lnSpc>
+                <a:spcPct val="90000"/>
+              </a:lnSpc>
+              <a:spcBef>
+                <a:spcPts val="500"/>
+              </a:spcBef>
+              <a:buFont typeface="Arial" panose="020B0604020202020204" pitchFamily="34" charset="0"/>
+              <a:buChar char="•"/>
+              <a:defRPr sz="1800" kern="1200">
+                <a:solidFill>
+                  <a:schemeClr val="tx1"/>
+                </a:solidFill>
+                <a:latin typeface="+mn-lt"/>
+                <a:ea typeface="+mn-ea"/>
+                <a:cs typeface="+mn-cs"/>
+              </a:defRPr>
+            </a:lvl7pPr>
+            <a:lvl8pPr marL="3429000" indent="-228600" algn="l" defTabSz="914400" rtl="0" eaLnBrk="1" latinLnBrk="0" hangingPunct="1">
+              <a:lnSpc>
+                <a:spcPct val="90000"/>
+              </a:lnSpc>
+              <a:spcBef>
+                <a:spcPts val="500"/>
+              </a:spcBef>
+              <a:buFont typeface="Arial" panose="020B0604020202020204" pitchFamily="34" charset="0"/>
+              <a:buChar char="•"/>
+              <a:defRPr sz="1800" kern="1200">
+                <a:solidFill>
+                  <a:schemeClr val="tx1"/>
+                </a:solidFill>
+                <a:latin typeface="+mn-lt"/>
+                <a:ea typeface="+mn-ea"/>
+                <a:cs typeface="+mn-cs"/>
+              </a:defRPr>
+            </a:lvl8pPr>
+            <a:lvl9pPr marL="3886200" indent="-228600" algn="l" defTabSz="914400" rtl="0" eaLnBrk="1" latinLnBrk="0" hangingPunct="1">
+              <a:lnSpc>
+                <a:spcPct val="90000"/>
+              </a:lnSpc>
+              <a:spcBef>
+                <a:spcPts val="500"/>
+              </a:spcBef>
+              <a:buFont typeface="Arial" panose="020B0604020202020204" pitchFamily="34" charset="0"/>
+              <a:buChar char="•"/>
+              <a:defRPr sz="1800" kern="1200">
+                <a:solidFill>
+                  <a:schemeClr val="tx1"/>
+                </a:solidFill>
+                <a:latin typeface="+mn-lt"/>
+                <a:ea typeface="+mn-ea"/>
+                <a:cs typeface="+mn-cs"/>
+              </a:defRPr>
+            </a:lvl9pPr>
+          </a:lstStyle>
+          <a:p>
+            <a:pPr marL="0" indent="0">
+              <a:buNone/>
+            </a:pPr>
+            <a:r>
+              <a:rPr lang="en-GB" b="1" dirty="0"/>
+              <a:t>Article</a:t>
+            </a:r>
+            <a:r>
+              <a:rPr lang="en-GB" dirty="0"/>
+              <a:t>: Camera Calibration and Player Localization in SoccerNet-v2 and Investigation of their Representations for Action Spotting </a:t>
+            </a:r>
+          </a:p>
+          <a:p>
+            <a:pPr marL="0" indent="0">
+              <a:buNone/>
+            </a:pPr>
+            <a:r>
+              <a:rPr lang="en-GB" dirty="0">
+                <a:hlinkClick r:id="rId2"/>
+              </a:rPr>
+              <a:t>https://arxiv.org/pdf/2104.09333.pdf</a:t>
+            </a:r>
+            <a:endParaRPr lang="en-GB" dirty="0"/>
+          </a:p>
+          <a:p>
+            <a:endParaRPr lang="en-GB" dirty="0"/>
+          </a:p>
+        </p:txBody>
+      </p:sp>
+      <p:pic>
+        <p:nvPicPr>
+          <p:cNvPr id="10" name="Picture 9">
+            <a:extLst>
+              <a:ext uri="{FF2B5EF4-FFF2-40B4-BE49-F238E27FC236}">
+                <a16:creationId xmlns:a16="http://schemas.microsoft.com/office/drawing/2014/main" id="{71C5BAFC-6D61-B9EE-1DC6-A6A1966859CA}"/>
+              </a:ext>
+            </a:extLst>
+          </p:cNvPr>
+          <p:cNvPicPr>
+            <a:picLocks noChangeAspect="1"/>
+          </p:cNvPicPr>
+          <p:nvPr/>
+        </p:nvPicPr>
+        <p:blipFill>
+          <a:blip r:embed="rId3"/>
+          <a:stretch>
+            <a:fillRect/>
+          </a:stretch>
+        </p:blipFill>
+        <p:spPr>
+          <a:xfrm>
+            <a:off x="1459550" y="2915348"/>
+            <a:ext cx="9272898" cy="3375093"/>
+          </a:xfrm>
+          <a:prstGeom prst="rect">
+            <a:avLst/>
+          </a:prstGeom>
+        </p:spPr>
+      </p:pic>
+      <p:sp>
+        <p:nvSpPr>
+          <p:cNvPr id="11" name="Rectangle 10">
+            <a:extLst>
+              <a:ext uri="{FF2B5EF4-FFF2-40B4-BE49-F238E27FC236}">
+                <a16:creationId xmlns:a16="http://schemas.microsoft.com/office/drawing/2014/main" id="{79F56B5F-57ED-048B-9294-302B208E04CA}"/>
+              </a:ext>
+            </a:extLst>
+          </p:cNvPr>
+          <p:cNvSpPr/>
+          <p:nvPr/>
+        </p:nvSpPr>
+        <p:spPr>
+          <a:xfrm>
+            <a:off x="7905135" y="4719484"/>
+            <a:ext cx="3111910" cy="1570957"/>
+          </a:xfrm>
+          <a:prstGeom prst="rect">
+            <a:avLst/>
+          </a:prstGeom>
+          <a:noFill/>
+          <a:ln w="28575">
+            <a:solidFill>
+              <a:srgbClr val="FF0000"/>
+            </a:solidFill>
+          </a:ln>
+        </p:spPr>
+        <p:style>
+          <a:lnRef idx="2">
+            <a:schemeClr val="accent1">
+              <a:shade val="15000"/>
+            </a:schemeClr>
+          </a:lnRef>
+          <a:fillRef idx="1">
+            <a:schemeClr val="accent1"/>
+          </a:fillRef>
+          <a:effectRef idx="0">
+            <a:schemeClr val="accent1"/>
+          </a:effectRef>
+          <a:fontRef idx="minor">
+            <a:schemeClr val="lt1"/>
+          </a:fontRef>
+        </p:style>
+        <p:txBody>
+          <a:bodyPr rtlCol="0" anchor="ctr"/>
+          <a:lstStyle/>
+          <a:p>
+            <a:pPr algn="ctr"/>
+            <a:endParaRPr lang="en-PL"/>
+          </a:p>
+        </p:txBody>
+      </p:sp>
+    </p:spTree>
+    <p:extLst>
+      <p:ext uri="{BB962C8B-B14F-4D97-AF65-F5344CB8AC3E}">
+        <p14:creationId xmlns:p14="http://schemas.microsoft.com/office/powerpoint/2010/main" val="3617879910"/>
+      </p:ext>
+    </p:extLst>
+  </p:cSld>
+  <p:clrMapOvr>
+    <a:masterClrMapping/>
+  </p:clrMapOvr>
+</p:sld>
+</file>
+
+<file path=ppt/slides/slide13.xml><?xml version="1.0" encoding="utf-8"?>
+<p:sld xmlns:a="http://schemas.openxmlformats.org/drawingml/2006/main" xmlns:r="http://schemas.openxmlformats.org/officeDocument/2006/relationships" xmlns:p="http://schemas.openxmlformats.org/presentationml/2006/main">
+  <p:cSld>
+    <p:spTree>
+      <p:nvGrpSpPr>
+        <p:cNvPr id="1" name=""/>
+        <p:cNvGrpSpPr/>
+        <p:nvPr/>
+      </p:nvGrpSpPr>
+      <p:grpSpPr>
+        <a:xfrm>
+          <a:off x="0" y="0"/>
+          <a:ext cx="0" cy="0"/>
+          <a:chOff x="0" y="0"/>
+          <a:chExt cx="0" cy="0"/>
+        </a:xfrm>
+      </p:grpSpPr>
+      <p:sp>
+        <p:nvSpPr>
+          <p:cNvPr id="2" name="Title 1">
+            <a:extLst>
+              <a:ext uri="{FF2B5EF4-FFF2-40B4-BE49-F238E27FC236}">
+                <a16:creationId xmlns:a16="http://schemas.microsoft.com/office/drawing/2014/main" id="{1D71286A-3E6C-A66A-0F6C-582B7E9CF30C}"/>
+              </a:ext>
+            </a:extLst>
+          </p:cNvPr>
+          <p:cNvSpPr>
+            <a:spLocks noGrp="1"/>
+          </p:cNvSpPr>
+          <p:nvPr>
+            <p:ph type="title"/>
+          </p:nvPr>
+        </p:nvSpPr>
+        <p:spPr/>
+        <p:txBody>
+          <a:bodyPr>
+            <a:normAutofit/>
+          </a:bodyPr>
+          <a:lstStyle/>
+          <a:p>
+            <a:r>
+              <a:rPr lang="en-GB" b="1" dirty="0"/>
+              <a:t>Soccer Action Spotting</a:t>
+            </a:r>
+            <a:endParaRPr lang="en-PL" b="1" dirty="0"/>
+          </a:p>
+        </p:txBody>
+      </p:sp>
+      <p:pic>
+        <p:nvPicPr>
+          <p:cNvPr id="3" name="Picture 2">
+            <a:extLst>
+              <a:ext uri="{FF2B5EF4-FFF2-40B4-BE49-F238E27FC236}">
+                <a16:creationId xmlns:a16="http://schemas.microsoft.com/office/drawing/2014/main" id="{D084A189-F314-ED94-35E5-C9BC35BAF84B}"/>
+              </a:ext>
+            </a:extLst>
+          </p:cNvPr>
+          <p:cNvPicPr>
+            <a:picLocks noChangeAspect="1"/>
+          </p:cNvPicPr>
+          <p:nvPr/>
+        </p:nvPicPr>
+        <p:blipFill>
+          <a:blip r:embed="rId2"/>
+          <a:stretch>
+            <a:fillRect/>
+          </a:stretch>
+        </p:blipFill>
+        <p:spPr>
+          <a:xfrm>
+            <a:off x="1554017" y="2029690"/>
+            <a:ext cx="8671625" cy="3435927"/>
+          </a:xfrm>
+          <a:prstGeom prst="rect">
+            <a:avLst/>
+          </a:prstGeom>
+        </p:spPr>
+      </p:pic>
+    </p:spTree>
+    <p:extLst>
+      <p:ext uri="{BB962C8B-B14F-4D97-AF65-F5344CB8AC3E}">
+        <p14:creationId xmlns:p14="http://schemas.microsoft.com/office/powerpoint/2010/main" val="3100358644"/>
+      </p:ext>
+    </p:extLst>
+  </p:cSld>
+  <p:clrMapOvr>
+    <a:masterClrMapping/>
+  </p:clrMapOvr>
+</p:sld>
+</file>
+
+<file path=ppt/slides/slide14.xml><?xml version="1.0" encoding="utf-8"?>
+<p:sld xmlns:a="http://schemas.openxmlformats.org/drawingml/2006/main" xmlns:r="http://schemas.openxmlformats.org/officeDocument/2006/relationships" xmlns:p="http://schemas.openxmlformats.org/presentationml/2006/main">
+  <p:cSld>
+    <p:spTree>
+      <p:nvGrpSpPr>
+        <p:cNvPr id="1" name=""/>
+        <p:cNvGrpSpPr/>
+        <p:nvPr/>
+      </p:nvGrpSpPr>
+      <p:grpSpPr>
+        <a:xfrm>
+          <a:off x="0" y="0"/>
+          <a:ext cx="0" cy="0"/>
+          <a:chOff x="0" y="0"/>
+          <a:chExt cx="0" cy="0"/>
+        </a:xfrm>
+      </p:grpSpPr>
+      <p:sp>
+        <p:nvSpPr>
+          <p:cNvPr id="2" name="Title 1">
+            <a:extLst>
+              <a:ext uri="{FF2B5EF4-FFF2-40B4-BE49-F238E27FC236}">
+                <a16:creationId xmlns:a16="http://schemas.microsoft.com/office/drawing/2014/main" id="{525E1026-4CD5-912D-FE58-DBB1808991AE}"/>
+              </a:ext>
+            </a:extLst>
+          </p:cNvPr>
+          <p:cNvSpPr>
+            <a:spLocks noGrp="1"/>
+          </p:cNvSpPr>
+          <p:nvPr>
+            <p:ph type="title"/>
+          </p:nvPr>
+        </p:nvSpPr>
+        <p:spPr/>
+        <p:txBody>
+          <a:bodyPr/>
+          <a:lstStyle/>
+          <a:p>
+            <a:r>
+              <a:rPr lang="en-PL" b="1" dirty="0"/>
+              <a:t>Ghosting to analyze tactics</a:t>
+            </a:r>
+          </a:p>
+        </p:txBody>
+      </p:sp>
+      <p:sp>
+        <p:nvSpPr>
+          <p:cNvPr id="3" name="Content Placeholder 2">
+            <a:extLst>
+              <a:ext uri="{FF2B5EF4-FFF2-40B4-BE49-F238E27FC236}">
+                <a16:creationId xmlns:a16="http://schemas.microsoft.com/office/drawing/2014/main" id="{50024177-7230-AF71-AF22-E8C0CE441D4D}"/>
+              </a:ext>
+            </a:extLst>
+          </p:cNvPr>
+          <p:cNvSpPr>
+            <a:spLocks noGrp="1"/>
+          </p:cNvSpPr>
+          <p:nvPr>
+            <p:ph idx="1"/>
+          </p:nvPr>
+        </p:nvSpPr>
+        <p:spPr>
+          <a:xfrm>
+            <a:off x="838200" y="1690687"/>
+            <a:ext cx="10515600" cy="4802187"/>
+          </a:xfrm>
+        </p:spPr>
+        <p:txBody>
+          <a:bodyPr>
+            <a:normAutofit fontScale="92500" lnSpcReduction="10000"/>
+          </a:bodyPr>
+          <a:lstStyle/>
+          <a:p>
+            <a:pPr marL="0" indent="0">
+              <a:buNone/>
+            </a:pPr>
+            <a:r>
+              <a:rPr lang="en-PL" b="1" dirty="0"/>
+              <a:t>Goal: </a:t>
+            </a:r>
+            <a:r>
+              <a:rPr lang="en-GB" dirty="0"/>
+              <a:t>predict the actions of soccer players, which are defined as their positions at future time steps. </a:t>
+            </a:r>
+            <a:endParaRPr lang="en-PL" dirty="0"/>
+          </a:p>
+          <a:p>
+            <a:pPr marL="0" indent="0">
+              <a:buNone/>
+            </a:pPr>
+            <a:r>
+              <a:rPr lang="en-PL" b="1" dirty="0"/>
+              <a:t>Imitation Learning Model</a:t>
+            </a:r>
+          </a:p>
+          <a:p>
+            <a:pPr marL="0" indent="0">
+              <a:buNone/>
+            </a:pPr>
+            <a:r>
+              <a:rPr lang="en-PL" dirty="0"/>
+              <a:t>- Use RNNs to capture temporality.</a:t>
+            </a:r>
+            <a:br>
+              <a:rPr lang="en-PL" dirty="0"/>
+            </a:br>
+            <a:r>
+              <a:rPr lang="en-PL" dirty="0"/>
+              <a:t>- Phase 1: </a:t>
+            </a:r>
+            <a:r>
+              <a:rPr lang="en-GB" dirty="0"/>
+              <a:t>focuses on training individual player models for various roles.</a:t>
+            </a:r>
+          </a:p>
+          <a:p>
+            <a:pPr marL="0" indent="0">
+              <a:buNone/>
+            </a:pPr>
+            <a:r>
+              <a:rPr lang="en-GB" dirty="0"/>
+              <a:t>- Phase2: joint training of these pre-trained player models for collaborative multi-agent learning.</a:t>
+            </a:r>
+          </a:p>
+          <a:p>
+            <a:pPr marL="0" indent="0">
+              <a:buNone/>
+            </a:pPr>
+            <a:r>
+              <a:rPr lang="en-GB" dirty="0"/>
+              <a:t>- Develop with GNNs.</a:t>
+            </a:r>
+          </a:p>
+          <a:p>
+            <a:pPr marL="0" indent="0">
+              <a:buNone/>
+            </a:pPr>
+            <a:r>
+              <a:rPr lang="en-GB" b="1" dirty="0"/>
+              <a:t>Tactical Analysis:</a:t>
+            </a:r>
+            <a:br>
+              <a:rPr lang="en-GB" b="1" dirty="0"/>
+            </a:br>
+            <a:r>
+              <a:rPr lang="en-GB" dirty="0"/>
+              <a:t>- Analyse specific game plays from the game: corners, ball on the wings,</a:t>
+            </a:r>
+            <a:r>
+              <a:rPr lang="en-PL" dirty="0"/>
+              <a:t> ball played at middle. </a:t>
+            </a:r>
+          </a:p>
+          <a:p>
+            <a:pPr marL="0" indent="0">
+              <a:buNone/>
+            </a:pPr>
+            <a:r>
+              <a:rPr lang="en-PL" dirty="0"/>
+              <a:t>- Use for teams comparisons. </a:t>
+            </a:r>
+            <a:endParaRPr lang="en-GB" dirty="0"/>
+          </a:p>
+        </p:txBody>
+      </p:sp>
+    </p:spTree>
+    <p:extLst>
+      <p:ext uri="{BB962C8B-B14F-4D97-AF65-F5344CB8AC3E}">
+        <p14:creationId xmlns:p14="http://schemas.microsoft.com/office/powerpoint/2010/main" val="1971310419"/>
+      </p:ext>
+    </p:extLst>
+  </p:cSld>
+  <p:clrMapOvr>
+    <a:masterClrMapping/>
+  </p:clrMapOvr>
+</p:sld>
+</file>
+
+<file path=ppt/slides/slide15.xml><?xml version="1.0" encoding="utf-8"?>
+<p:sld xmlns:a="http://schemas.openxmlformats.org/drawingml/2006/main" xmlns:r="http://schemas.openxmlformats.org/officeDocument/2006/relationships" xmlns:p="http://schemas.openxmlformats.org/presentationml/2006/main">
+  <p:cSld>
+    <p:spTree>
+      <p:nvGrpSpPr>
+        <p:cNvPr id="1" name=""/>
+        <p:cNvGrpSpPr/>
+        <p:nvPr/>
+      </p:nvGrpSpPr>
+      <p:grpSpPr>
+        <a:xfrm>
+          <a:off x="0" y="0"/>
+          <a:ext cx="0" cy="0"/>
+          <a:chOff x="0" y="0"/>
+          <a:chExt cx="0" cy="0"/>
+        </a:xfrm>
+      </p:grpSpPr>
+      <p:sp>
+        <p:nvSpPr>
+          <p:cNvPr id="2" name="Title 1">
+            <a:extLst>
+              <a:ext uri="{FF2B5EF4-FFF2-40B4-BE49-F238E27FC236}">
+                <a16:creationId xmlns:a16="http://schemas.microsoft.com/office/drawing/2014/main" id="{525E1026-4CD5-912D-FE58-DBB1808991AE}"/>
+              </a:ext>
+            </a:extLst>
+          </p:cNvPr>
+          <p:cNvSpPr>
+            <a:spLocks noGrp="1"/>
+          </p:cNvSpPr>
+          <p:nvPr>
+            <p:ph type="title"/>
+          </p:nvPr>
+        </p:nvSpPr>
+        <p:spPr/>
+        <p:txBody>
+          <a:bodyPr/>
+          <a:lstStyle/>
+          <a:p>
+            <a:r>
+              <a:rPr lang="en-PL" b="1" dirty="0"/>
+              <a:t>Ghosting to analyze tactics</a:t>
+            </a:r>
+          </a:p>
+        </p:txBody>
+      </p:sp>
+      <p:sp>
+        <p:nvSpPr>
+          <p:cNvPr id="3" name="Content Placeholder 2">
+            <a:extLst>
+              <a:ext uri="{FF2B5EF4-FFF2-40B4-BE49-F238E27FC236}">
+                <a16:creationId xmlns:a16="http://schemas.microsoft.com/office/drawing/2014/main" id="{50024177-7230-AF71-AF22-E8C0CE441D4D}"/>
+              </a:ext>
+            </a:extLst>
+          </p:cNvPr>
+          <p:cNvSpPr>
+            <a:spLocks noGrp="1"/>
+          </p:cNvSpPr>
+          <p:nvPr>
+            <p:ph idx="1"/>
+          </p:nvPr>
+        </p:nvSpPr>
+        <p:spPr/>
+        <p:txBody>
+          <a:bodyPr/>
+          <a:lstStyle/>
+          <a:p>
+            <a:r>
+              <a:rPr lang="en-GB" dirty="0"/>
+              <a:t>Data-Driven Ghosting using Deep Imitation Learning</a:t>
+            </a:r>
+            <a:br>
+              <a:rPr lang="en-GB" dirty="0"/>
+            </a:br>
+            <a:r>
+              <a:rPr lang="en-GB" dirty="0">
+                <a:hlinkClick r:id="rId2"/>
+              </a:rPr>
+              <a:t>http://www.yisongyue.com/publications/ssac2017_ghosting.pdf</a:t>
+            </a:r>
+            <a:endParaRPr lang="en-GB" dirty="0"/>
+          </a:p>
+          <a:p>
+            <a:endParaRPr lang="en-GB" dirty="0"/>
+          </a:p>
+          <a:p>
+            <a:endParaRPr lang="en-PL" dirty="0"/>
+          </a:p>
+        </p:txBody>
+      </p:sp>
+    </p:spTree>
+    <p:extLst>
+      <p:ext uri="{BB962C8B-B14F-4D97-AF65-F5344CB8AC3E}">
+        <p14:creationId xmlns:p14="http://schemas.microsoft.com/office/powerpoint/2010/main" val="146615811"/>
+      </p:ext>
+    </p:extLst>
+  </p:cSld>
+  <p:clrMapOvr>
+    <a:masterClrMapping/>
+  </p:clrMapOvr>
+</p:sld>
+</file>
+
+<file path=ppt/slides/slide16.xml><?xml version="1.0" encoding="utf-8"?>
+<p:sld xmlns:a="http://schemas.openxmlformats.org/drawingml/2006/main" xmlns:r="http://schemas.openxmlformats.org/officeDocument/2006/relationships" xmlns:p="http://schemas.openxmlformats.org/presentationml/2006/main">
+  <p:cSld>
+    <p:spTree>
+      <p:nvGrpSpPr>
+        <p:cNvPr id="1" name=""/>
+        <p:cNvGrpSpPr/>
+        <p:nvPr/>
+      </p:nvGrpSpPr>
+      <p:grpSpPr>
+        <a:xfrm>
+          <a:off x="0" y="0"/>
+          <a:ext cx="0" cy="0"/>
+          <a:chOff x="0" y="0"/>
+          <a:chExt cx="0" cy="0"/>
+        </a:xfrm>
+      </p:grpSpPr>
+      <p:sp>
+        <p:nvSpPr>
+          <p:cNvPr id="2" name="Title 1">
+            <a:extLst>
+              <a:ext uri="{FF2B5EF4-FFF2-40B4-BE49-F238E27FC236}">
+                <a16:creationId xmlns:a16="http://schemas.microsoft.com/office/drawing/2014/main" id="{525E1026-4CD5-912D-FE58-DBB1808991AE}"/>
+              </a:ext>
+            </a:extLst>
+          </p:cNvPr>
+          <p:cNvSpPr>
+            <a:spLocks noGrp="1"/>
+          </p:cNvSpPr>
+          <p:nvPr>
+            <p:ph type="title"/>
+          </p:nvPr>
+        </p:nvSpPr>
+        <p:spPr/>
+        <p:txBody>
+          <a:bodyPr>
+            <a:normAutofit/>
+          </a:bodyPr>
+          <a:lstStyle/>
+          <a:p>
+            <a:r>
+              <a:rPr lang="en-GB" b="1" dirty="0"/>
+              <a:t>Data-Driven Ghosting using Deep Imitation Learning - Code</a:t>
+            </a:r>
+            <a:endParaRPr lang="en-PL" b="1" dirty="0"/>
+          </a:p>
+        </p:txBody>
+      </p:sp>
+      <p:sp>
+        <p:nvSpPr>
+          <p:cNvPr id="3" name="Content Placeholder 2">
+            <a:extLst>
+              <a:ext uri="{FF2B5EF4-FFF2-40B4-BE49-F238E27FC236}">
+                <a16:creationId xmlns:a16="http://schemas.microsoft.com/office/drawing/2014/main" id="{50024177-7230-AF71-AF22-E8C0CE441D4D}"/>
+              </a:ext>
+            </a:extLst>
+          </p:cNvPr>
+          <p:cNvSpPr>
+            <a:spLocks noGrp="1"/>
+          </p:cNvSpPr>
+          <p:nvPr>
+            <p:ph idx="1"/>
+          </p:nvPr>
+        </p:nvSpPr>
+        <p:spPr/>
+        <p:txBody>
+          <a:bodyPr>
+            <a:normAutofit lnSpcReduction="10000"/>
+          </a:bodyPr>
+          <a:lstStyle/>
+          <a:p>
+            <a:pPr marL="514350" indent="-514350">
+              <a:buFont typeface="+mj-lt"/>
+              <a:buAutoNum type="arabicPeriod"/>
+            </a:pPr>
+            <a:r>
+              <a:rPr lang="en-GB" b="1" dirty="0"/>
+              <a:t>Dynamic Raw RNN</a:t>
+            </a:r>
+            <a:r>
+              <a:rPr lang="en-GB" dirty="0"/>
+              <a:t>: takes a cell (LSTM cell), input, batch size, sequence length, horizon, output dimension, dropout rate, and policy number as input. Inside the function, a loop function (</a:t>
+            </a:r>
+            <a:r>
+              <a:rPr lang="en-GB" dirty="0" err="1"/>
+              <a:t>loop_fn</a:t>
+            </a:r>
+            <a:r>
+              <a:rPr lang="en-GB" dirty="0"/>
+              <a:t>) is defined to control the RNN's </a:t>
+            </a:r>
+            <a:r>
+              <a:rPr lang="en-GB" dirty="0" err="1"/>
+              <a:t>behavior</a:t>
+            </a:r>
+            <a:r>
+              <a:rPr lang="en-GB" dirty="0"/>
+              <a:t> at each time step.</a:t>
+            </a:r>
+          </a:p>
+          <a:p>
+            <a:pPr marL="514350" indent="-514350">
+              <a:buFont typeface="+mj-lt"/>
+              <a:buAutoNum type="arabicPeriod"/>
+            </a:pPr>
+            <a:r>
+              <a:rPr lang="en-GB" b="1" i="0" u="none" strike="noStrike" dirty="0" err="1">
+                <a:effectLst/>
+                <a:latin typeface="Söhne"/>
+              </a:rPr>
+              <a:t>SinglePolicy</a:t>
+            </a:r>
+            <a:r>
+              <a:rPr lang="en-GB" b="1" dirty="0">
+                <a:latin typeface="Söhne"/>
+              </a:rPr>
+              <a:t>: </a:t>
+            </a:r>
+            <a:r>
+              <a:rPr lang="en-GB" dirty="0">
+                <a:latin typeface="Söhne"/>
+              </a:rPr>
+              <a:t>module representing an LSTM-based model for predicting sequences, designed for a single policy in a multi-policy setting.</a:t>
+            </a:r>
+          </a:p>
+          <a:p>
+            <a:pPr marL="514350" indent="-514350">
+              <a:buFont typeface="+mj-lt"/>
+              <a:buAutoNum type="arabicPeriod"/>
+            </a:pPr>
+            <a:r>
+              <a:rPr lang="en-GB" b="1" i="0" u="none" strike="noStrike" dirty="0" err="1">
+                <a:effectLst/>
+                <a:latin typeface="Söhne"/>
+              </a:rPr>
+              <a:t>ImportGraph</a:t>
+            </a:r>
+            <a:r>
+              <a:rPr lang="en-GB" b="1" i="0" u="none" strike="noStrike" dirty="0">
+                <a:effectLst/>
+                <a:latin typeface="Söhne"/>
+              </a:rPr>
+              <a:t> Class: </a:t>
+            </a:r>
+            <a:r>
+              <a:rPr lang="en-GB" i="0" u="none" strike="noStrike" dirty="0">
+                <a:effectLst/>
+                <a:latin typeface="Söhne"/>
+              </a:rPr>
+              <a:t>facilitates the loading and forward-pass execution of a pre-trained neural network graph, including its input and output tensors, from a saved model checkpoint.</a:t>
+            </a:r>
+            <a:endParaRPr lang="en-PL" i="0" u="none" strike="noStrike" dirty="0">
+              <a:effectLst/>
+              <a:latin typeface="Söhne"/>
+            </a:endParaRPr>
+          </a:p>
+        </p:txBody>
+      </p:sp>
+    </p:spTree>
+    <p:extLst>
+      <p:ext uri="{BB962C8B-B14F-4D97-AF65-F5344CB8AC3E}">
+        <p14:creationId xmlns:p14="http://schemas.microsoft.com/office/powerpoint/2010/main" val="827024664"/>
+      </p:ext>
+    </p:extLst>
+  </p:cSld>
+  <p:clrMapOvr>
+    <a:masterClrMapping/>
+  </p:clrMapOvr>
+</p:sld>
+</file>
+
+<file path=ppt/slides/slide17.xml><?xml version="1.0" encoding="utf-8"?>
+<p:sld xmlns:a="http://schemas.openxmlformats.org/drawingml/2006/main" xmlns:r="http://schemas.openxmlformats.org/officeDocument/2006/relationships" xmlns:p="http://schemas.openxmlformats.org/presentationml/2006/main">
+  <p:cSld>
+    <p:spTree>
+      <p:nvGrpSpPr>
+        <p:cNvPr id="1" name=""/>
+        <p:cNvGrpSpPr/>
+        <p:nvPr/>
+      </p:nvGrpSpPr>
+      <p:grpSpPr>
+        <a:xfrm>
+          <a:off x="0" y="0"/>
+          <a:ext cx="0" cy="0"/>
+          <a:chOff x="0" y="0"/>
+          <a:chExt cx="0" cy="0"/>
+        </a:xfrm>
+      </p:grpSpPr>
+      <p:sp>
+        <p:nvSpPr>
+          <p:cNvPr id="2" name="Title 1">
+            <a:extLst>
+              <a:ext uri="{FF2B5EF4-FFF2-40B4-BE49-F238E27FC236}">
+                <a16:creationId xmlns:a16="http://schemas.microsoft.com/office/drawing/2014/main" id="{1D71286A-3E6C-A66A-0F6C-582B7E9CF30C}"/>
+              </a:ext>
+            </a:extLst>
+          </p:cNvPr>
+          <p:cNvSpPr>
+            <a:spLocks noGrp="1"/>
+          </p:cNvSpPr>
+          <p:nvPr>
+            <p:ph type="title"/>
+          </p:nvPr>
+        </p:nvSpPr>
+        <p:spPr/>
+        <p:txBody>
+          <a:bodyPr>
+            <a:normAutofit/>
+          </a:bodyPr>
+          <a:lstStyle/>
+          <a:p>
+            <a:pPr lvl="0"/>
+            <a:r>
               <a:rPr lang="en-GB" b="1" dirty="0"/>
               <a:t>Team Off-Ball Movement Analysis</a:t>
             </a:r>
@@ -4079,10 +5366,9 @@
           <a:p>
             <a:pPr lvl="0"/>
             <a:r>
-              <a:rPr lang="en-GB" b="1" dirty="0"/>
-              <a:t>Player Performance Analysis</a:t>
-            </a:r>
-            <a:endParaRPr lang="en-PL" b="1" dirty="0"/>
+              <a:rPr lang="en-PL" b="1" dirty="0"/>
+              <a:t>Social LSTM - code</a:t>
+            </a:r>
           </a:p>
         </p:txBody>
       </p:sp>
@@ -4102,7 +5388,12 @@
             <p:ph idx="1"/>
           </p:nvPr>
         </p:nvSpPr>
-        <p:spPr/>
+        <p:spPr>
+          <a:xfrm>
+            <a:off x="838200" y="1402080"/>
+            <a:ext cx="10515600" cy="4774883"/>
+          </a:xfrm>
+        </p:spPr>
         <p:txBody>
           <a:bodyPr>
             <a:normAutofit fontScale="92500" lnSpcReduction="20000"/>
@@ -4114,52 +5405,38 @@
             </a:pPr>
             <a:r>
               <a:rPr lang="en-PL" b="1" dirty="0"/>
-              <a:t>Model for Decision Evaluation:</a:t>
+              <a:t>Model init:</a:t>
             </a:r>
           </a:p>
           <a:p>
             <a:r>
               <a:rPr lang="en-PL" dirty="0"/>
-              <a:t>Offline Actor-Critic DRL.</a:t>
+              <a:t>LSTMcell, InputEmbedding, TensorEmbedding, OutputLayer.</a:t>
             </a:r>
           </a:p>
           <a:p>
             <a:r>
               <a:rPr lang="en-PL" dirty="0"/>
-              <a:t>Focus on a specific player not the one who has a ball.</a:t>
-            </a:r>
-          </a:p>
-          <a:p>
+              <a:t>SocialTensor: matrix multiplication between player grid (player surrounding) and hidden state (LSTM output).</a:t>
+            </a:r>
+          </a:p>
+          <a:p>
+            <a:pPr marL="0" indent="0">
+              <a:buNone/>
+            </a:pPr>
+            <a:r>
+              <a:rPr lang="en-PL" b="1" dirty="0"/>
+              <a:t>Model forward:</a:t>
+            </a:r>
+            <a:endParaRPr lang="en-PL" dirty="0"/>
+          </a:p>
+          <a:p>
+            <a:pPr marL="0" indent="0">
+              <a:buNone/>
+            </a:pPr>
             <a:r>
               <a:rPr lang="en-PL" dirty="0"/>
-              <a:t>Actions: on-ball:pass, carry, dribble, clear | off-ball: destination to move, speed etc.</a:t>
-            </a:r>
-          </a:p>
-          <a:p>
-            <a:r>
-              <a:rPr lang="en-PL" dirty="0"/>
-              <a:t>Reward: on-ball: reward from paper | off-ball: xReceiver </a:t>
-            </a:r>
-          </a:p>
-          <a:p>
-            <a:r>
-              <a:rPr lang="en-PL" dirty="0"/>
-              <a:t>Develop with GNNs.</a:t>
-            </a:r>
-          </a:p>
-          <a:p>
-            <a:pPr marL="0" indent="0">
-              <a:buNone/>
-            </a:pPr>
-            <a:r>
-              <a:rPr lang="en-PL" b="1" dirty="0"/>
-              <a:t>Performance Analysis:</a:t>
-            </a:r>
-          </a:p>
-          <a:p>
-            <a:r>
-              <a:rPr lang="en-PL" dirty="0"/>
-              <a:t>Analyze clutch game-plays by comparing possible actions with chosen one. </a:t>
+              <a:t>For each frame in the sequence:</a:t>
             </a:r>
           </a:p>
           <a:p>
@@ -4169,21 +5446,40 @@
             </a:r>
             <a:r>
               <a:rPr lang="en-PL" dirty="0"/>
-              <a:t>enerate heatmaps with difference with decision value to evaluate </a:t>
+              <a:t>et nodes present in the frame and the corresponding grids. </a:t>
             </a:r>
           </a:p>
           <a:p>
             <a:r>
               <a:rPr lang="en-PL" dirty="0"/>
-              <a:t>Add recommendations for game plays where player performed badly.</a:t>
-            </a:r>
+              <a:t>Get current hidden and cell states.</a:t>
+            </a:r>
+          </a:p>
+          <a:p>
+            <a:r>
+              <a:rPr lang="en-PL" dirty="0"/>
+              <a:t>Get Social Tensor then push current nodes through Input Embedding layer and push social tensor through TensorEmbedding. Then concatenate.</a:t>
+            </a:r>
+          </a:p>
+          <a:p>
+            <a:r>
+              <a:rPr lang="en-GB" dirty="0"/>
+              <a:t>P</a:t>
+            </a:r>
+            <a:r>
+              <a:rPr lang="en-PL" dirty="0"/>
+              <a:t>ush concateneted tensor through LSTM. Use hidden nodes to calculate the output.</a:t>
+            </a:r>
+          </a:p>
+          <a:p>
+            <a:endParaRPr lang="en-PL" dirty="0"/>
           </a:p>
         </p:txBody>
       </p:sp>
     </p:spTree>
     <p:extLst>
       <p:ext uri="{BB962C8B-B14F-4D97-AF65-F5344CB8AC3E}">
-        <p14:creationId xmlns:p14="http://schemas.microsoft.com/office/powerpoint/2010/main" val="2762875384"/>
+        <p14:creationId xmlns:p14="http://schemas.microsoft.com/office/powerpoint/2010/main" val="2193769964"/>
       </p:ext>
     </p:extLst>
   </p:cSld>
@@ -4235,10 +5531,9 @@
           <a:p>
             <a:pPr lvl="0"/>
             <a:r>
-              <a:rPr lang="en-GB" b="1" dirty="0"/>
-              <a:t>Player Performance Analysis</a:t>
-            </a:r>
-            <a:endParaRPr lang="en-PL" b="1" dirty="0"/>
+              <a:rPr lang="en-PL" b="1" dirty="0"/>
+              <a:t>Social LSTM - code</a:t>
+            </a:r>
           </a:p>
         </p:txBody>
       </p:sp>
@@ -4258,10 +5553,15 @@
             <p:ph idx="1"/>
           </p:nvPr>
         </p:nvSpPr>
-        <p:spPr/>
+        <p:spPr>
+          <a:xfrm>
+            <a:off x="838200" y="1737360"/>
+            <a:ext cx="10515600" cy="4774883"/>
+          </a:xfrm>
+        </p:spPr>
         <p:txBody>
           <a:bodyPr>
-            <a:normAutofit fontScale="92500" lnSpcReduction="20000"/>
+            <a:normAutofit/>
           </a:bodyPr>
           <a:lstStyle/>
           <a:p>
@@ -4270,103 +5570,50 @@
             </a:pPr>
             <a:r>
               <a:rPr lang="en-PL" b="1" dirty="0"/>
-              <a:t>Articles :</a:t>
-            </a:r>
-          </a:p>
-          <a:p>
+              <a:t>Training:</a:t>
+            </a:r>
+          </a:p>
+          <a:p>
+            <a:r>
+              <a:rPr lang="en-PL" dirty="0"/>
+              <a:t>Generate sequences, generate grid sequence matrix </a:t>
+            </a:r>
+          </a:p>
+          <a:p>
+            <a:r>
+              <a:rPr lang="en-PL" dirty="0"/>
+              <a:t>Represent the sequence as the graph, get nodes.</a:t>
+            </a:r>
+          </a:p>
+          <a:p>
+            <a:r>
+              <a:rPr lang="en-PL" dirty="0"/>
+              <a:t>Generate hidden and cell states with zero tensor. </a:t>
+            </a:r>
+          </a:p>
+          <a:p>
+            <a:r>
+              <a:rPr lang="en-PL" dirty="0"/>
+              <a:t>Do the forward propagation use </a:t>
+            </a:r>
             <a:r>
               <a:rPr lang="en-GB" dirty="0"/>
-              <a:t>Reinforcement Learning for Football Player Decision Making Analysis</a:t>
-            </a:r>
-          </a:p>
-          <a:p>
-            <a:pPr marL="0" indent="0">
-              <a:buNone/>
-            </a:pPr>
-            <a:r>
-              <a:rPr lang="en-GB" sz="1700" dirty="0">
-                <a:hlinkClick r:id="rId2"/>
-              </a:rPr>
-              <a:t>https://statsbomb.com/wp-content/uploads/2022/09/Michael-Pulis-and-Josef-Bajada-–-Reinforcement-Learning-For-Football-Player-Decision-Making-Analysis-1.pdf</a:t>
-            </a:r>
-            <a:endParaRPr lang="en-GB" dirty="0"/>
+              <a:t>Gaussian2DLikelihood loss function (created by author)</a:t>
+            </a:r>
           </a:p>
           <a:p>
             <a:r>
               <a:rPr lang="en-GB" dirty="0"/>
-              <a:t>Deep soccer analytics: learning an action-value function for evaluating soccer players</a:t>
-            </a:r>
-          </a:p>
-          <a:p>
-            <a:pPr marL="0" indent="0" algn="l" rtl="0" eaLnBrk="1" latinLnBrk="0" hangingPunct="1">
-              <a:lnSpc>
-                <a:spcPct val="90000"/>
-              </a:lnSpc>
-              <a:spcBef>
-                <a:spcPts val="1000"/>
-              </a:spcBef>
-              <a:spcAft>
-                <a:spcPts val="0"/>
-              </a:spcAft>
-              <a:buNone/>
-            </a:pPr>
-            <a:r>
-              <a:rPr lang="en-GB" sz="1700" kern="1200" dirty="0">
-                <a:solidFill>
-                  <a:srgbClr val="000000"/>
-                </a:solidFill>
-                <a:effectLst/>
-                <a:latin typeface="Calibri" panose="020F0502020204030204" pitchFamily="34" charset="0"/>
-                <a:ea typeface="+mn-ea"/>
-                <a:cs typeface="+mn-cs"/>
-                <a:hlinkClick r:id="rId3"/>
-              </a:rPr>
-              <a:t>https://link.springer.com/article/10.1007/s10618-020-00705-9</a:t>
-            </a:r>
-            <a:endParaRPr lang="en-GB" dirty="0"/>
-          </a:p>
-          <a:p>
-            <a:r>
-              <a:rPr lang="en-GB" dirty="0"/>
-              <a:t>Deep Reinforcement Learning meets Graph Neural Networks: exploring a routing optimization use case</a:t>
-            </a:r>
-          </a:p>
-          <a:p>
-            <a:pPr marL="0" indent="0">
-              <a:buNone/>
-            </a:pPr>
-            <a:r>
-              <a:rPr lang="en-GB" sz="1900" dirty="0">
-                <a:hlinkClick r:id="rId4"/>
-              </a:rPr>
-              <a:t>https://arxiv.org/abs/1910.07421</a:t>
-            </a:r>
-            <a:endParaRPr lang="en-GB" dirty="0"/>
-          </a:p>
-          <a:p>
-            <a:r>
-              <a:rPr lang="en-GB" dirty="0"/>
-              <a:t>Making Offensive Play Predictable - Using a Graph Convolutional Network to Understand Defensive Performance in Soccer</a:t>
-            </a:r>
-          </a:p>
-          <a:p>
-            <a:pPr marL="0" indent="0">
-              <a:buNone/>
-            </a:pPr>
-            <a:r>
-              <a:rPr lang="en-GB" sz="1900" dirty="0">
-                <a:hlinkClick r:id="rId5"/>
-              </a:rPr>
-              <a:t>https://www.statsperform.com/wp-content/uploads/2021/04/Making-Offensive-Play-Predictable.pdf</a:t>
-            </a:r>
-            <a:endParaRPr lang="en-GB" sz="1900" dirty="0"/>
+              <a:t>Backpropagation with a Gradient clipping to prevent exploding gradients.</a:t>
+            </a:r>
+            <a:endParaRPr lang="en-PL" dirty="0"/>
           </a:p>
         </p:txBody>
       </p:sp>
     </p:spTree>
     <p:extLst>
       <p:ext uri="{BB962C8B-B14F-4D97-AF65-F5344CB8AC3E}">
-        <p14:creationId xmlns:p14="http://schemas.microsoft.com/office/powerpoint/2010/main" val="1459140730"/>
+        <p14:creationId xmlns:p14="http://schemas.microsoft.com/office/powerpoint/2010/main" val="2366023713"/>
       </p:ext>
     </p:extLst>
   </p:cSld>
@@ -4419,7 +5666,7 @@
             <a:pPr lvl="0"/>
             <a:r>
               <a:rPr lang="en-GB" b="1" dirty="0"/>
-              <a:t>Event Detection with Temporal GNNs</a:t>
+              <a:t>Player Performance Analysis</a:t>
             </a:r>
             <a:endParaRPr lang="en-PL" b="1" dirty="0"/>
           </a:p>
@@ -4444,7 +5691,7 @@
         <p:spPr/>
         <p:txBody>
           <a:bodyPr>
-            <a:normAutofit/>
+            <a:normAutofit fontScale="92500" lnSpcReduction="20000"/>
           </a:bodyPr>
           <a:lstStyle/>
           <a:p>
@@ -4453,25 +5700,41 @@
             </a:pPr>
             <a:r>
               <a:rPr lang="en-PL" b="1" dirty="0"/>
-              <a:t>Event Detection Model:</a:t>
-            </a:r>
-          </a:p>
-          <a:p>
+              <a:t>Model for Decision Evaluation:</a:t>
+            </a:r>
+          </a:p>
+          <a:p>
+            <a:r>
+              <a:rPr lang="en-PL"/>
+              <a:t>Offline DRL</a:t>
+            </a:r>
             <a:r>
               <a:rPr lang="en-PL" dirty="0"/>
-              <a:t>Use Convolutional GNNs </a:t>
+              <a:t>.</a:t>
             </a:r>
           </a:p>
           <a:p>
             <a:r>
               <a:rPr lang="en-PL" dirty="0"/>
-              <a:t>Test different pooling methods,</a:t>
+              <a:t>Focus on a specific player not the one who has a ball.</a:t>
             </a:r>
           </a:p>
           <a:p>
             <a:r>
               <a:rPr lang="en-PL" dirty="0"/>
-              <a:t>Develop model with RNNs.</a:t>
+              <a:t>Actions: on-ball:pass, carry, dribble, clear | off-ball: destination to move, speed etc.</a:t>
+            </a:r>
+          </a:p>
+          <a:p>
+            <a:r>
+              <a:rPr lang="en-PL" dirty="0"/>
+              <a:t>Reward: on-ball: reward from paper | off-ball: xReceiver </a:t>
+            </a:r>
+          </a:p>
+          <a:p>
+            <a:r>
+              <a:rPr lang="en-PL" dirty="0"/>
+              <a:t>Develop with GNNs.</a:t>
             </a:r>
           </a:p>
           <a:p>
@@ -4480,25 +5743,29 @@
             </a:pPr>
             <a:r>
               <a:rPr lang="en-PL" b="1" dirty="0"/>
-              <a:t>Potential Use Cases:</a:t>
+              <a:t>Performance Analysis:</a:t>
             </a:r>
           </a:p>
           <a:p>
             <a:r>
               <a:rPr lang="en-PL" dirty="0"/>
-              <a:t>Collect useful statisctics for analysis,</a:t>
-            </a:r>
-          </a:p>
-          <a:p>
+              <a:t>Analyze clutch game-plays by comparing possible actions with chosen one. </a:t>
+            </a:r>
+          </a:p>
+          <a:p>
+            <a:r>
+              <a:rPr lang="en-GB" dirty="0"/>
+              <a:t>G</a:t>
+            </a:r>
             <a:r>
               <a:rPr lang="en-PL" dirty="0"/>
-              <a:t>Generate heatmaps for each phase. </a:t>
+              <a:t>enerate heatmaps with difference with decision value to evaluate </a:t>
             </a:r>
           </a:p>
           <a:p>
             <a:r>
               <a:rPr lang="en-PL" dirty="0"/>
-              <a:t>Generate passing networks for specific phases.</a:t>
+              <a:t>Add recommendations for game plays where player performed badly.</a:t>
             </a:r>
           </a:p>
         </p:txBody>
@@ -4506,7 +5773,7 @@
     </p:spTree>
     <p:extLst>
       <p:ext uri="{BB962C8B-B14F-4D97-AF65-F5344CB8AC3E}">
-        <p14:creationId xmlns:p14="http://schemas.microsoft.com/office/powerpoint/2010/main" val="308626057"/>
+        <p14:creationId xmlns:p14="http://schemas.microsoft.com/office/powerpoint/2010/main" val="2762875384"/>
       </p:ext>
     </p:extLst>
   </p:cSld>
@@ -4559,7 +5826,7 @@
             <a:pPr lvl="0"/>
             <a:r>
               <a:rPr lang="en-GB" b="1" dirty="0"/>
-              <a:t>Event Detection with Temporal GNNs</a:t>
+              <a:t>Player Performance Analysis</a:t>
             </a:r>
             <a:endParaRPr lang="en-PL" b="1" dirty="0"/>
           </a:p>
@@ -4584,7 +5851,7 @@
         <p:spPr/>
         <p:txBody>
           <a:bodyPr>
-            <a:normAutofit/>
+            <a:normAutofit fontScale="77500" lnSpcReduction="20000"/>
           </a:bodyPr>
           <a:lstStyle/>
           <a:p>
@@ -4592,14 +5859,14 @@
               <a:buNone/>
             </a:pPr>
             <a:r>
+              <a:rPr lang="en-PL" b="1" dirty="0"/>
+              <a:t>Articles :</a:t>
+            </a:r>
+          </a:p>
+          <a:p>
+            <a:r>
               <a:rPr lang="en-GB" dirty="0"/>
-              <a:t>Articles:</a:t>
-            </a:r>
-          </a:p>
-          <a:p>
-            <a:r>
-              <a:rPr lang="en-GB" dirty="0"/>
-              <a:t>Goal!! Event detection in sports video</a:t>
+              <a:t>Reinforcement Learning for Football Player Decision Making Analysis</a:t>
             </a:r>
           </a:p>
           <a:p>
@@ -4607,35 +5874,51 @@
               <a:buNone/>
             </a:pPr>
             <a:r>
-              <a:rPr lang="en-GB" dirty="0">
+              <a:rPr lang="en-GB" sz="1700" dirty="0">
                 <a:hlinkClick r:id="rId2"/>
               </a:rPr>
-              <a:t>https://www.researchgate.net/publication/313228631_Goal_Event_detection_in_sports_video</a:t>
+              <a:t>https://statsbomb.com/wp-content/uploads/2022/09/Michael-Pulis-and-Josef-Bajada-–-Reinforcement-Learning-For-Football-Player-Decision-Making-Analysis-1.pdf</a:t>
             </a:r>
             <a:endParaRPr lang="en-GB" dirty="0"/>
           </a:p>
           <a:p>
             <a:r>
               <a:rPr lang="en-GB" dirty="0"/>
-              <a:t>Spotting Football Events Using Two-Stream Convolutional Neural Network and Dilated Recurrent Neural Network</a:t>
-            </a:r>
-          </a:p>
-          <a:p>
-            <a:pPr marL="0" indent="0">
+              <a:t>Deep soccer analytics: learning an action-value function for evaluating soccer players</a:t>
+            </a:r>
+          </a:p>
+          <a:p>
+            <a:pPr marL="0" indent="0" algn="l" rtl="0" eaLnBrk="1" latinLnBrk="0" hangingPunct="1">
+              <a:lnSpc>
+                <a:spcPct val="90000"/>
+              </a:lnSpc>
+              <a:spcBef>
+                <a:spcPts val="1000"/>
+              </a:spcBef>
+              <a:spcAft>
+                <a:spcPts val="0"/>
+              </a:spcAft>
               <a:buNone/>
             </a:pPr>
             <a:r>
-              <a:rPr lang="en-GB" dirty="0">
+              <a:rPr lang="en-GB" sz="1700" kern="1200" dirty="0">
+                <a:solidFill>
+                  <a:srgbClr val="000000"/>
+                </a:solidFill>
+                <a:effectLst/>
+                <a:latin typeface="Calibri" panose="020F0502020204030204" pitchFamily="34" charset="0"/>
+                <a:ea typeface="+mn-ea"/>
+                <a:cs typeface="+mn-cs"/>
                 <a:hlinkClick r:id="rId3"/>
               </a:rPr>
-              <a:t>https://ieeexplore.ieee.org/document/9410263</a:t>
+              <a:t>https://link.springer.com/article/10.1007/s10618-020-00705-9</a:t>
             </a:r>
             <a:endParaRPr lang="en-GB" dirty="0"/>
           </a:p>
           <a:p>
             <a:r>
               <a:rPr lang="en-GB" dirty="0"/>
-              <a:t>Event Detection in Football using Graph Convolutional Networks</a:t>
+              <a:t>Deep Reinforcement Learning meets Graph Neural Networks: exploring a routing optimization use case</a:t>
             </a:r>
           </a:p>
           <a:p>
@@ -4643,19 +5926,55 @@
               <a:buNone/>
             </a:pPr>
             <a:r>
-              <a:rPr lang="en-GB" dirty="0">
+              <a:rPr lang="en-GB" sz="1900" dirty="0">
                 <a:hlinkClick r:id="rId4"/>
               </a:rPr>
-              <a:t>https://arxiv.org/abs/2301.10052</a:t>
+              <a:t>https://arxiv.org/abs/1910.07421</a:t>
             </a:r>
             <a:endParaRPr lang="en-GB" dirty="0"/>
+          </a:p>
+          <a:p>
+            <a:r>
+              <a:rPr lang="en-GB" dirty="0"/>
+              <a:t>Making Offensive Play Predictable - Using a Graph Convolutional Network to Understand Defensive Performance in Soccer</a:t>
+            </a:r>
+          </a:p>
+          <a:p>
+            <a:pPr marL="0" indent="0">
+              <a:buNone/>
+            </a:pPr>
+            <a:r>
+              <a:rPr lang="en-GB" sz="1900" dirty="0">
+                <a:hlinkClick r:id="rId5"/>
+              </a:rPr>
+              <a:t>https://www.statsperform.com/wp-content/uploads/2021/04/Making-Offensive-Play-Predictable.pdf</a:t>
+            </a:r>
+            <a:endParaRPr lang="en-GB" sz="1900" dirty="0"/>
+          </a:p>
+          <a:p>
+            <a:r>
+              <a:rPr lang="en-GB" dirty="0"/>
+              <a:t>Identifying Soccer Players’ Playing Styles: A Systematic Review</a:t>
+            </a:r>
+          </a:p>
+          <a:p>
+            <a:pPr marL="0" indent="0">
+              <a:buNone/>
+            </a:pPr>
+            <a:r>
+              <a:rPr lang="en-GB" sz="1900" dirty="0">
+                <a:hlinkClick r:id="rId6"/>
+              </a:rPr>
+              <a:t>https://www.mdpi.com/2411-5142/8/3/104</a:t>
+            </a:r>
+            <a:endParaRPr lang="en-GB" sz="1900" dirty="0"/>
           </a:p>
         </p:txBody>
       </p:sp>
     </p:spTree>
     <p:extLst>
       <p:ext uri="{BB962C8B-B14F-4D97-AF65-F5344CB8AC3E}">
-        <p14:creationId xmlns:p14="http://schemas.microsoft.com/office/powerpoint/2010/main" val="2474142889"/>
+        <p14:creationId xmlns:p14="http://schemas.microsoft.com/office/powerpoint/2010/main" val="1459140730"/>
       </p:ext>
     </p:extLst>
   </p:cSld>
@@ -4687,7 +6006,7 @@
           <p:cNvPr id="2" name="Title 1">
             <a:extLst>
               <a:ext uri="{FF2B5EF4-FFF2-40B4-BE49-F238E27FC236}">
-                <a16:creationId xmlns:a16="http://schemas.microsoft.com/office/drawing/2014/main" id="{525E1026-4CD5-912D-FE58-DBB1808991AE}"/>
+                <a16:creationId xmlns:a16="http://schemas.microsoft.com/office/drawing/2014/main" id="{1D71286A-3E6C-A66A-0F6C-582B7E9CF30C}"/>
               </a:ext>
             </a:extLst>
           </p:cNvPr>
@@ -4700,140 +6019,102 @@
         </p:nvSpPr>
         <p:spPr/>
         <p:txBody>
-          <a:bodyPr/>
-          <a:lstStyle/>
-          <a:p>
+          <a:bodyPr>
+            <a:normAutofit/>
+          </a:bodyPr>
+          <a:lstStyle/>
+          <a:p>
+            <a:pPr lvl="0"/>
+            <a:r>
+              <a:rPr lang="en-GB" b="1" dirty="0"/>
+              <a:t>Event Detection with Temporal GNNs</a:t>
+            </a:r>
+            <a:endParaRPr lang="en-PL" b="1" dirty="0"/>
+          </a:p>
+        </p:txBody>
+      </p:sp>
+      <p:sp>
+        <p:nvSpPr>
+          <p:cNvPr id="3" name="Content Placeholder 2">
+            <a:extLst>
+              <a:ext uri="{FF2B5EF4-FFF2-40B4-BE49-F238E27FC236}">
+                <a16:creationId xmlns:a16="http://schemas.microsoft.com/office/drawing/2014/main" id="{EFD4FF62-497D-CBE6-4767-D052782DB005}"/>
+              </a:ext>
+            </a:extLst>
+          </p:cNvPr>
+          <p:cNvSpPr>
+            <a:spLocks noGrp="1"/>
+          </p:cNvSpPr>
+          <p:nvPr>
+            <p:ph idx="1"/>
+          </p:nvPr>
+        </p:nvSpPr>
+        <p:spPr/>
+        <p:txBody>
+          <a:bodyPr>
+            <a:normAutofit/>
+          </a:bodyPr>
+          <a:lstStyle/>
+          <a:p>
+            <a:pPr marL="0" indent="0">
+              <a:buNone/>
+            </a:pPr>
             <a:r>
               <a:rPr lang="en-PL" b="1" dirty="0"/>
-              <a:t>Ghosting to analyze tactics</a:t>
-            </a:r>
-          </a:p>
-        </p:txBody>
-      </p:sp>
-      <p:sp>
-        <p:nvSpPr>
-          <p:cNvPr id="3" name="Content Placeholder 2">
-            <a:extLst>
-              <a:ext uri="{FF2B5EF4-FFF2-40B4-BE49-F238E27FC236}">
-                <a16:creationId xmlns:a16="http://schemas.microsoft.com/office/drawing/2014/main" id="{50024177-7230-AF71-AF22-E8C0CE441D4D}"/>
-              </a:ext>
-            </a:extLst>
-          </p:cNvPr>
-          <p:cNvSpPr>
-            <a:spLocks noGrp="1"/>
-          </p:cNvSpPr>
-          <p:nvPr>
-            <p:ph idx="1"/>
-          </p:nvPr>
-        </p:nvSpPr>
-        <p:spPr>
-          <a:xfrm>
-            <a:off x="838200" y="1690687"/>
-            <a:ext cx="10515600" cy="4802187"/>
-          </a:xfrm>
-        </p:spPr>
-        <p:txBody>
-          <a:bodyPr>
-            <a:normAutofit fontScale="92500" lnSpcReduction="10000"/>
-          </a:bodyPr>
-          <a:lstStyle/>
+              <a:t>Event Detection Model:</a:t>
+            </a:r>
+          </a:p>
+          <a:p>
+            <a:r>
+              <a:rPr lang="en-PL" dirty="0"/>
+              <a:t>Use Convolutional GNNs </a:t>
+            </a:r>
+          </a:p>
+          <a:p>
+            <a:r>
+              <a:rPr lang="en-PL" dirty="0"/>
+              <a:t>Test different pooling methods,</a:t>
+            </a:r>
+          </a:p>
+          <a:p>
+            <a:r>
+              <a:rPr lang="en-PL" dirty="0"/>
+              <a:t>Develop model with RNNs.</a:t>
+            </a:r>
+          </a:p>
           <a:p>
             <a:pPr marL="0" indent="0">
               <a:buNone/>
             </a:pPr>
             <a:r>
               <a:rPr lang="en-PL" b="1" dirty="0"/>
-              <a:t>Goal: </a:t>
-            </a:r>
-            <a:r>
-              <a:rPr lang="en-GB" dirty="0"/>
-              <a:t>predict the actions of soccer players, which are defined as their positions at future time steps. </a:t>
-            </a:r>
-            <a:endParaRPr lang="en-PL" dirty="0"/>
-          </a:p>
-          <a:p>
-            <a:pPr marL="0" indent="0">
-              <a:buNone/>
-            </a:pPr>
-            <a:r>
-              <a:rPr lang="en-PL" b="1" dirty="0"/>
-              <a:t>Imitation Learning Model</a:t>
-            </a:r>
-          </a:p>
-          <a:p>
-            <a:pPr marL="0" indent="0">
-              <a:buNone/>
-            </a:pPr>
+              <a:t>Potential Use Cases:</a:t>
+            </a:r>
+          </a:p>
+          <a:p>
             <a:r>
               <a:rPr lang="en-PL" dirty="0"/>
-              <a:t>- Use RNNs to capture temporality.</a:t>
-            </a:r>
-            <a:br>
+              <a:t>Collect useful statisctics for analysis,</a:t>
+            </a:r>
+          </a:p>
+          <a:p>
+            <a:r>
               <a:rPr lang="en-PL" dirty="0"/>
-            </a:br>
+              <a:t>Generate heatmaps for each phase. </a:t>
+            </a:r>
+          </a:p>
+          <a:p>
             <a:r>
               <a:rPr lang="en-PL" dirty="0"/>
-              <a:t>- Phase 1: </a:t>
-            </a:r>
-            <a:r>
-              <a:rPr lang="en-GB" dirty="0"/>
-              <a:t>focuses on training individual player models for various roles.</a:t>
-            </a:r>
-          </a:p>
-          <a:p>
-            <a:pPr marL="0" indent="0">
-              <a:buNone/>
-            </a:pPr>
-            <a:r>
-              <a:rPr lang="en-GB" dirty="0"/>
-              <a:t>- Phase2: joint training of these pre-trained player models for collaborative multi-agent learning.</a:t>
-            </a:r>
-          </a:p>
-          <a:p>
-            <a:pPr marL="0" indent="0">
-              <a:buNone/>
-            </a:pPr>
-            <a:r>
-              <a:rPr lang="en-GB" dirty="0"/>
-              <a:t>- Develop with GNNs.</a:t>
-            </a:r>
-          </a:p>
-          <a:p>
-            <a:pPr marL="0" indent="0">
-              <a:buNone/>
-            </a:pPr>
-            <a:r>
-              <a:rPr lang="en-GB" b="1" dirty="0"/>
-              <a:t>Tactical Analysis:</a:t>
-            </a:r>
-            <a:br>
-              <a:rPr lang="en-GB" b="1" dirty="0"/>
-            </a:br>
-            <a:r>
-              <a:rPr lang="en-GB" dirty="0"/>
-              <a:t>- Analyse specific game plays from the game: corners, ball on the wings,</a:t>
-            </a:r>
-            <a:r>
-              <a:rPr lang="en-PL" dirty="0"/>
-              <a:t> ball played at middle. </a:t>
-            </a:r>
-          </a:p>
-          <a:p>
-            <a:pPr marL="0" indent="0">
-              <a:buNone/>
-            </a:pPr>
-            <a:r>
-              <a:rPr lang="en-PL" dirty="0"/>
-              <a:t>- Use for teams comparisons. </a:t>
-            </a:r>
-            <a:endParaRPr lang="en-GB" dirty="0"/>
+              <a:t>Generate passing networks for specific phases.</a:t>
+            </a:r>
           </a:p>
         </p:txBody>
       </p:sp>
     </p:spTree>
     <p:extLst>
       <p:ext uri="{BB962C8B-B14F-4D97-AF65-F5344CB8AC3E}">
-        <p14:creationId xmlns:p14="http://schemas.microsoft.com/office/powerpoint/2010/main" val="1971310419"/>
+        <p14:creationId xmlns:p14="http://schemas.microsoft.com/office/powerpoint/2010/main" val="308626057"/>
       </p:ext>
     </p:extLst>
   </p:cSld>
@@ -4865,7 +6146,7 @@
           <p:cNvPr id="2" name="Title 1">
             <a:extLst>
               <a:ext uri="{FF2B5EF4-FFF2-40B4-BE49-F238E27FC236}">
-                <a16:creationId xmlns:a16="http://schemas.microsoft.com/office/drawing/2014/main" id="{525E1026-4CD5-912D-FE58-DBB1808991AE}"/>
+                <a16:creationId xmlns:a16="http://schemas.microsoft.com/office/drawing/2014/main" id="{1D71286A-3E6C-A66A-0F6C-582B7E9CF30C}"/>
               </a:ext>
             </a:extLst>
           </p:cNvPr>
@@ -4878,13 +6159,17 @@
         </p:nvSpPr>
         <p:spPr/>
         <p:txBody>
-          <a:bodyPr/>
-          <a:lstStyle/>
-          <a:p>
-            <a:r>
-              <a:rPr lang="en-PL" b="1" dirty="0"/>
-              <a:t>Ghosting to analyze tactics</a:t>
-            </a:r>
+          <a:bodyPr>
+            <a:normAutofit/>
+          </a:bodyPr>
+          <a:lstStyle/>
+          <a:p>
+            <a:pPr lvl="0"/>
+            <a:r>
+              <a:rPr lang="en-GB" b="1" dirty="0"/>
+              <a:t>Event Detection with Temporal GNNs</a:t>
+            </a:r>
+            <a:endParaRPr lang="en-PL" b="1" dirty="0"/>
           </a:p>
         </p:txBody>
       </p:sp>
@@ -4893,7 +6178,7 @@
           <p:cNvPr id="3" name="Content Placeholder 2">
             <a:extLst>
               <a:ext uri="{FF2B5EF4-FFF2-40B4-BE49-F238E27FC236}">
-                <a16:creationId xmlns:a16="http://schemas.microsoft.com/office/drawing/2014/main" id="{50024177-7230-AF71-AF22-E8C0CE441D4D}"/>
+                <a16:creationId xmlns:a16="http://schemas.microsoft.com/office/drawing/2014/main" id="{EFD4FF62-497D-CBE6-4767-D052782DB005}"/>
               </a:ext>
             </a:extLst>
           </p:cNvPr>
@@ -4906,36 +6191,79 @@
         </p:nvSpPr>
         <p:spPr/>
         <p:txBody>
-          <a:bodyPr/>
-          <a:lstStyle/>
-          <a:p>
+          <a:bodyPr>
+            <a:normAutofit/>
+          </a:bodyPr>
+          <a:lstStyle/>
+          <a:p>
+            <a:pPr marL="0" indent="0">
+              <a:buNone/>
+            </a:pPr>
             <a:r>
               <a:rPr lang="en-GB" dirty="0"/>
-              <a:t>Data-Driven Ghosting using Deep Imitation Learning</a:t>
-            </a:r>
-            <a:br>
+              <a:t>Articles:</a:t>
+            </a:r>
+          </a:p>
+          <a:p>
+            <a:r>
               <a:rPr lang="en-GB" dirty="0"/>
-            </a:br>
+              <a:t>Goal!! Event detection in sports video</a:t>
+            </a:r>
+          </a:p>
+          <a:p>
+            <a:pPr marL="0" indent="0">
+              <a:buNone/>
+            </a:pPr>
             <a:r>
               <a:rPr lang="en-GB" dirty="0">
                 <a:hlinkClick r:id="rId2"/>
               </a:rPr>
-              <a:t>http://www.yisongyue.com/publications/ssac2017_ghosting.pdf</a:t>
+              <a:t>https://www.researchgate.net/publication/313228631_Goal_Event_detection_in_sports_video</a:t>
             </a:r>
             <a:endParaRPr lang="en-GB" dirty="0"/>
           </a:p>
           <a:p>
+            <a:r>
+              <a:rPr lang="en-GB" dirty="0"/>
+              <a:t>Spotting Football Events Using Two-Stream Convolutional Neural Network and Dilated Recurrent Neural Network</a:t>
+            </a:r>
+          </a:p>
+          <a:p>
+            <a:pPr marL="0" indent="0">
+              <a:buNone/>
+            </a:pPr>
+            <a:r>
+              <a:rPr lang="en-GB" dirty="0">
+                <a:hlinkClick r:id="rId3"/>
+              </a:rPr>
+              <a:t>https://ieeexplore.ieee.org/document/9410263</a:t>
+            </a:r>
             <a:endParaRPr lang="en-GB" dirty="0"/>
           </a:p>
           <a:p>
-            <a:endParaRPr lang="en-PL" dirty="0"/>
+            <a:r>
+              <a:rPr lang="en-GB" dirty="0"/>
+              <a:t>Event Detection in Football using Graph Convolutional Networks</a:t>
+            </a:r>
+          </a:p>
+          <a:p>
+            <a:pPr marL="0" indent="0">
+              <a:buNone/>
+            </a:pPr>
+            <a:r>
+              <a:rPr lang="en-GB" dirty="0">
+                <a:hlinkClick r:id="rId4"/>
+              </a:rPr>
+              <a:t>https://arxiv.org/abs/2301.10052</a:t>
+            </a:r>
+            <a:endParaRPr lang="en-GB" dirty="0"/>
           </a:p>
         </p:txBody>
       </p:sp>
     </p:spTree>
     <p:extLst>
       <p:ext uri="{BB962C8B-B14F-4D97-AF65-F5344CB8AC3E}">
-        <p14:creationId xmlns:p14="http://schemas.microsoft.com/office/powerpoint/2010/main" val="146615811"/>
+        <p14:creationId xmlns:p14="http://schemas.microsoft.com/office/powerpoint/2010/main" val="2474142889"/>
       </p:ext>
     </p:extLst>
   </p:cSld>
